--- a/documentation/imageWorks.pptx
+++ b/documentation/imageWorks.pptx
@@ -4716,8 +4716,8 @@
           </p:nvSpPr>
           <p:spPr>
             <a:xfrm>
-              <a:off x="6467715" y="316382"/>
-              <a:ext cx="1596912" cy="369332"/>
+              <a:off x="6211038" y="188922"/>
+              <a:ext cx="2179571" cy="646331"/>
             </a:xfrm>
             <a:prstGeom prst="rect">
               <a:avLst/>
@@ -4730,9 +4730,17 @@
             </a:bodyPr>
             <a:lstStyle/>
             <a:p>
+              <a:pPr algn="ctr"/>
               <a:r>
                 <a:rPr lang="en-US" dirty="0" smtClean="0"/>
-                <a:t>Functions used</a:t>
+                <a:t>Functions used for </a:t>
+              </a:r>
+            </a:p>
+            <a:p>
+              <a:pPr algn="ctr"/>
+              <a:r>
+                <a:rPr lang="en-US" dirty="0" smtClean="0"/>
+                <a:t>Conceptual workflow</a:t>
               </a:r>
               <a:endParaRPr lang="en-US" dirty="0"/>
             </a:p>
@@ -5164,6 +5172,42 @@
           </a:p>
         </p:txBody>
       </p:sp>
+      <p:cxnSp>
+        <p:nvCxnSpPr>
+          <p:cNvPr id="61" name="Straight Arrow Connector 60"/>
+          <p:cNvCxnSpPr/>
+          <p:nvPr/>
+        </p:nvCxnSpPr>
+        <p:spPr>
+          <a:xfrm>
+            <a:off x="1613446" y="316382"/>
+            <a:ext cx="0" cy="6020379"/>
+          </a:xfrm>
+          <a:prstGeom prst="straightConnector1">
+            <a:avLst/>
+          </a:prstGeom>
+          <a:ln w="190500">
+            <a:solidFill>
+              <a:schemeClr val="bg2"/>
+            </a:solidFill>
+            <a:tailEnd type="triangle"/>
+          </a:ln>
+        </p:spPr>
+        <p:style>
+          <a:lnRef idx="1">
+            <a:schemeClr val="accent1"/>
+          </a:lnRef>
+          <a:fillRef idx="0">
+            <a:schemeClr val="accent1"/>
+          </a:fillRef>
+          <a:effectRef idx="0">
+            <a:schemeClr val="accent1"/>
+          </a:effectRef>
+          <a:fontRef idx="minor">
+            <a:schemeClr val="tx1"/>
+          </a:fontRef>
+        </p:style>
+      </p:cxnSp>
     </p:spTree>
     <p:extLst>
       <p:ext uri="{BB962C8B-B14F-4D97-AF65-F5344CB8AC3E}">

--- a/documentation/imageWorks.pptx
+++ b/documentation/imageWorks.pptx
@@ -113,6 +113,11 @@
       </a:defRPr>
     </a:lvl9pPr>
   </p:defaultTextStyle>
+  <p:extLst>
+    <p:ext uri="{EFAFB233-063F-42B5-8137-9DF3F51BA10A}">
+      <p15:sldGuideLst xmlns:p15="http://schemas.microsoft.com/office/powerpoint/2012/main"/>
+    </p:ext>
+  </p:extLst>
 </p:presentation>
 </file>
 
@@ -247,7 +252,7 @@
           <a:p>
             <a:fld id="{2586974C-B30B-442E-9556-CFDDF785A652}" type="datetimeFigureOut">
               <a:rPr lang="en-US" smtClean="0"/>
-              <a:t>5/13/2014</a:t>
+              <a:t>6/5/2014</a:t>
             </a:fld>
             <a:endParaRPr lang="en-US"/>
           </a:p>
@@ -417,7 +422,7 @@
           <a:p>
             <a:fld id="{2586974C-B30B-442E-9556-CFDDF785A652}" type="datetimeFigureOut">
               <a:rPr lang="en-US" smtClean="0"/>
-              <a:t>5/13/2014</a:t>
+              <a:t>6/5/2014</a:t>
             </a:fld>
             <a:endParaRPr lang="en-US"/>
           </a:p>
@@ -597,7 +602,7 @@
           <a:p>
             <a:fld id="{2586974C-B30B-442E-9556-CFDDF785A652}" type="datetimeFigureOut">
               <a:rPr lang="en-US" smtClean="0"/>
-              <a:t>5/13/2014</a:t>
+              <a:t>6/5/2014</a:t>
             </a:fld>
             <a:endParaRPr lang="en-US"/>
           </a:p>
@@ -767,7 +772,7 @@
           <a:p>
             <a:fld id="{2586974C-B30B-442E-9556-CFDDF785A652}" type="datetimeFigureOut">
               <a:rPr lang="en-US" smtClean="0"/>
-              <a:t>5/13/2014</a:t>
+              <a:t>6/5/2014</a:t>
             </a:fld>
             <a:endParaRPr lang="en-US"/>
           </a:p>
@@ -1013,7 +1018,7 @@
           <a:p>
             <a:fld id="{2586974C-B30B-442E-9556-CFDDF785A652}" type="datetimeFigureOut">
               <a:rPr lang="en-US" smtClean="0"/>
-              <a:t>5/13/2014</a:t>
+              <a:t>6/5/2014</a:t>
             </a:fld>
             <a:endParaRPr lang="en-US"/>
           </a:p>
@@ -1245,7 +1250,7 @@
           <a:p>
             <a:fld id="{2586974C-B30B-442E-9556-CFDDF785A652}" type="datetimeFigureOut">
               <a:rPr lang="en-US" smtClean="0"/>
-              <a:t>5/13/2014</a:t>
+              <a:t>6/5/2014</a:t>
             </a:fld>
             <a:endParaRPr lang="en-US"/>
           </a:p>
@@ -1612,7 +1617,7 @@
           <a:p>
             <a:fld id="{2586974C-B30B-442E-9556-CFDDF785A652}" type="datetimeFigureOut">
               <a:rPr lang="en-US" smtClean="0"/>
-              <a:t>5/13/2014</a:t>
+              <a:t>6/5/2014</a:t>
             </a:fld>
             <a:endParaRPr lang="en-US"/>
           </a:p>
@@ -1730,7 +1735,7 @@
           <a:p>
             <a:fld id="{2586974C-B30B-442E-9556-CFDDF785A652}" type="datetimeFigureOut">
               <a:rPr lang="en-US" smtClean="0"/>
-              <a:t>5/13/2014</a:t>
+              <a:t>6/5/2014</a:t>
             </a:fld>
             <a:endParaRPr lang="en-US"/>
           </a:p>
@@ -1825,7 +1830,7 @@
           <a:p>
             <a:fld id="{2586974C-B30B-442E-9556-CFDDF785A652}" type="datetimeFigureOut">
               <a:rPr lang="en-US" smtClean="0"/>
-              <a:t>5/13/2014</a:t>
+              <a:t>6/5/2014</a:t>
             </a:fld>
             <a:endParaRPr lang="en-US"/>
           </a:p>
@@ -2102,7 +2107,7 @@
           <a:p>
             <a:fld id="{2586974C-B30B-442E-9556-CFDDF785A652}" type="datetimeFigureOut">
               <a:rPr lang="en-US" smtClean="0"/>
-              <a:t>5/13/2014</a:t>
+              <a:t>6/5/2014</a:t>
             </a:fld>
             <a:endParaRPr lang="en-US"/>
           </a:p>
@@ -2355,7 +2360,7 @@
           <a:p>
             <a:fld id="{2586974C-B30B-442E-9556-CFDDF785A652}" type="datetimeFigureOut">
               <a:rPr lang="en-US" smtClean="0"/>
-              <a:t>5/13/2014</a:t>
+              <a:t>6/5/2014</a:t>
             </a:fld>
             <a:endParaRPr lang="en-US"/>
           </a:p>
@@ -2568,7 +2573,7 @@
           <a:p>
             <a:fld id="{2586974C-B30B-442E-9556-CFDDF785A652}" type="datetimeFigureOut">
               <a:rPr lang="en-US" smtClean="0"/>
-              <a:t>5/13/2014</a:t>
+              <a:t>6/5/2014</a:t>
             </a:fld>
             <a:endParaRPr lang="en-US"/>
           </a:p>
@@ -3062,7 +3067,15 @@
             </a:r>
             <a:r>
               <a:rPr lang="en-US" dirty="0" smtClean="0"/>
-              <a:t> + loadc3d()</a:t>
+              <a:t> + </a:t>
+            </a:r>
+            <a:r>
+              <a:rPr lang="en-US" dirty="0" smtClean="0"/>
+              <a:t>btl_loadc3d</a:t>
+            </a:r>
+            <a:r>
+              <a:rPr lang="en-US" dirty="0" smtClean="0"/>
+              <a:t>()</a:t>
             </a:r>
             <a:endParaRPr lang="en-US" dirty="0"/>
           </a:p>
@@ -5898,62 +5911,13 @@
       </p:sp>
       <p:sp>
         <p:nvSpPr>
-          <p:cNvPr id="3" name="Rounded Rectangle 2"/>
-          <p:cNvSpPr/>
-          <p:nvPr/>
-        </p:nvSpPr>
-        <p:spPr>
-          <a:xfrm>
-            <a:off x="6384890" y="2861253"/>
-            <a:ext cx="4104137" cy="765300"/>
-          </a:xfrm>
-          <a:prstGeom prst="roundRect">
-            <a:avLst/>
-          </a:prstGeom>
-          <a:solidFill>
-            <a:schemeClr val="accent6">
-              <a:lumMod val="75000"/>
-            </a:schemeClr>
-          </a:solidFill>
-        </p:spPr>
-        <p:style>
-          <a:lnRef idx="2">
-            <a:schemeClr val="accent1">
-              <a:shade val="50000"/>
-            </a:schemeClr>
-          </a:lnRef>
-          <a:fillRef idx="1">
-            <a:schemeClr val="accent1"/>
-          </a:fillRef>
-          <a:effectRef idx="0">
-            <a:schemeClr val="accent1"/>
-          </a:effectRef>
-          <a:fontRef idx="minor">
-            <a:schemeClr val="lt1"/>
-          </a:fontRef>
-        </p:style>
-        <p:txBody>
-          <a:bodyPr rtlCol="0" anchor="ctr"/>
-          <a:lstStyle/>
-          <a:p>
-            <a:pPr algn="ctr"/>
-            <a:r>
-              <a:rPr lang="en-US" dirty="0" err="1" smtClean="0"/>
-              <a:t>filterData</a:t>
-            </a:r>
-            <a:endParaRPr lang="en-US" dirty="0"/>
-          </a:p>
-        </p:txBody>
-      </p:sp>
-      <p:sp>
-        <p:nvSpPr>
           <p:cNvPr id="7" name="Rounded Rectangle 6"/>
           <p:cNvSpPr/>
           <p:nvPr/>
         </p:nvSpPr>
         <p:spPr>
           <a:xfrm>
-            <a:off x="6384890" y="2229431"/>
+            <a:off x="6384889" y="2715532"/>
             <a:ext cx="3450771" cy="437980"/>
           </a:xfrm>
           <a:prstGeom prst="roundRect">
@@ -6003,7 +5967,7 @@
         </p:nvSpPr>
         <p:spPr>
           <a:xfrm>
-            <a:off x="6384889" y="3820395"/>
+            <a:off x="6384889" y="3340824"/>
             <a:ext cx="3450771" cy="437980"/>
           </a:xfrm>
           <a:prstGeom prst="roundRect">

--- a/documentation/imageWorks.pptx
+++ b/documentation/imageWorks.pptx
@@ -252,7 +252,7 @@
           <a:p>
             <a:fld id="{2586974C-B30B-442E-9556-CFDDF785A652}" type="datetimeFigureOut">
               <a:rPr lang="en-US" smtClean="0"/>
-              <a:t>6/5/2014</a:t>
+              <a:t>7/2/2014</a:t>
             </a:fld>
             <a:endParaRPr lang="en-US"/>
           </a:p>
@@ -422,7 +422,7 @@
           <a:p>
             <a:fld id="{2586974C-B30B-442E-9556-CFDDF785A652}" type="datetimeFigureOut">
               <a:rPr lang="en-US" smtClean="0"/>
-              <a:t>6/5/2014</a:t>
+              <a:t>7/2/2014</a:t>
             </a:fld>
             <a:endParaRPr lang="en-US"/>
           </a:p>
@@ -602,7 +602,7 @@
           <a:p>
             <a:fld id="{2586974C-B30B-442E-9556-CFDDF785A652}" type="datetimeFigureOut">
               <a:rPr lang="en-US" smtClean="0"/>
-              <a:t>6/5/2014</a:t>
+              <a:t>7/2/2014</a:t>
             </a:fld>
             <a:endParaRPr lang="en-US"/>
           </a:p>
@@ -772,7 +772,7 @@
           <a:p>
             <a:fld id="{2586974C-B30B-442E-9556-CFDDF785A652}" type="datetimeFigureOut">
               <a:rPr lang="en-US" smtClean="0"/>
-              <a:t>6/5/2014</a:t>
+              <a:t>7/2/2014</a:t>
             </a:fld>
             <a:endParaRPr lang="en-US"/>
           </a:p>
@@ -1018,7 +1018,7 @@
           <a:p>
             <a:fld id="{2586974C-B30B-442E-9556-CFDDF785A652}" type="datetimeFigureOut">
               <a:rPr lang="en-US" smtClean="0"/>
-              <a:t>6/5/2014</a:t>
+              <a:t>7/2/2014</a:t>
             </a:fld>
             <a:endParaRPr lang="en-US"/>
           </a:p>
@@ -1250,7 +1250,7 @@
           <a:p>
             <a:fld id="{2586974C-B30B-442E-9556-CFDDF785A652}" type="datetimeFigureOut">
               <a:rPr lang="en-US" smtClean="0"/>
-              <a:t>6/5/2014</a:t>
+              <a:t>7/2/2014</a:t>
             </a:fld>
             <a:endParaRPr lang="en-US"/>
           </a:p>
@@ -1617,7 +1617,7 @@
           <a:p>
             <a:fld id="{2586974C-B30B-442E-9556-CFDDF785A652}" type="datetimeFigureOut">
               <a:rPr lang="en-US" smtClean="0"/>
-              <a:t>6/5/2014</a:t>
+              <a:t>7/2/2014</a:t>
             </a:fld>
             <a:endParaRPr lang="en-US"/>
           </a:p>
@@ -1735,7 +1735,7 @@
           <a:p>
             <a:fld id="{2586974C-B30B-442E-9556-CFDDF785A652}" type="datetimeFigureOut">
               <a:rPr lang="en-US" smtClean="0"/>
-              <a:t>6/5/2014</a:t>
+              <a:t>7/2/2014</a:t>
             </a:fld>
             <a:endParaRPr lang="en-US"/>
           </a:p>
@@ -1830,7 +1830,7 @@
           <a:p>
             <a:fld id="{2586974C-B30B-442E-9556-CFDDF785A652}" type="datetimeFigureOut">
               <a:rPr lang="en-US" smtClean="0"/>
-              <a:t>6/5/2014</a:t>
+              <a:t>7/2/2014</a:t>
             </a:fld>
             <a:endParaRPr lang="en-US"/>
           </a:p>
@@ -2107,7 +2107,7 @@
           <a:p>
             <a:fld id="{2586974C-B30B-442E-9556-CFDDF785A652}" type="datetimeFigureOut">
               <a:rPr lang="en-US" smtClean="0"/>
-              <a:t>6/5/2014</a:t>
+              <a:t>7/2/2014</a:t>
             </a:fld>
             <a:endParaRPr lang="en-US"/>
           </a:p>
@@ -2360,7 +2360,7 @@
           <a:p>
             <a:fld id="{2586974C-B30B-442E-9556-CFDDF785A652}" type="datetimeFigureOut">
               <a:rPr lang="en-US" smtClean="0"/>
-              <a:t>6/5/2014</a:t>
+              <a:t>7/2/2014</a:t>
             </a:fld>
             <a:endParaRPr lang="en-US"/>
           </a:p>
@@ -2573,7 +2573,7 @@
           <a:p>
             <a:fld id="{2586974C-B30B-442E-9556-CFDDF785A652}" type="datetimeFigureOut">
               <a:rPr lang="en-US" smtClean="0"/>
-              <a:t>6/5/2014</a:t>
+              <a:t>7/2/2014</a:t>
             </a:fld>
             <a:endParaRPr lang="en-US"/>
           </a:p>
@@ -3067,15 +3067,7 @@
             </a:r>
             <a:r>
               <a:rPr lang="en-US" dirty="0" smtClean="0"/>
-              <a:t> + </a:t>
-            </a:r>
-            <a:r>
-              <a:rPr lang="en-US" dirty="0" smtClean="0"/>
-              <a:t>btl_loadc3d</a:t>
-            </a:r>
-            <a:r>
-              <a:rPr lang="en-US" dirty="0" smtClean="0"/>
-              <a:t>()</a:t>
+              <a:t> + btk_loadc3d()</a:t>
             </a:r>
             <a:endParaRPr lang="en-US" dirty="0"/>
           </a:p>
@@ -3096,7 +3088,7 @@
             <a:avLst/>
           </a:prstGeom>
           <a:solidFill>
-            <a:schemeClr val="accent6"/>
+            <a:schemeClr val="tx2"/>
           </a:solidFill>
         </p:spPr>
         <p:style>
@@ -3122,7 +3114,7 @@
             <a:pPr algn="ctr"/>
             <a:r>
               <a:rPr lang="en-US" dirty="0" err="1" smtClean="0"/>
-              <a:t>structData</a:t>
+              <a:t>structData.mat</a:t>
             </a:r>
             <a:endParaRPr lang="en-US" dirty="0"/>
           </a:p>
@@ -3413,90 +3405,1025 @@
           <a:chExt cx="0" cy="0"/>
         </a:xfrm>
       </p:grpSpPr>
+      <p:sp>
+        <p:nvSpPr>
+          <p:cNvPr id="33" name="Rounded Rectangle 32"/>
+          <p:cNvSpPr/>
+          <p:nvPr/>
+        </p:nvSpPr>
+        <p:spPr>
+          <a:xfrm>
+            <a:off x="5531977" y="-51075"/>
+            <a:ext cx="3396343" cy="6495143"/>
+          </a:xfrm>
+          <a:prstGeom prst="roundRect">
+            <a:avLst/>
+          </a:prstGeom>
+          <a:solidFill>
+            <a:schemeClr val="bg2"/>
+          </a:solidFill>
+          <a:ln>
+            <a:solidFill>
+              <a:schemeClr val="bg2"/>
+            </a:solidFill>
+          </a:ln>
+        </p:spPr>
+        <p:style>
+          <a:lnRef idx="2">
+            <a:schemeClr val="accent1">
+              <a:shade val="50000"/>
+            </a:schemeClr>
+          </a:lnRef>
+          <a:fillRef idx="1">
+            <a:schemeClr val="accent1"/>
+          </a:fillRef>
+          <a:effectRef idx="0">
+            <a:schemeClr val="accent1"/>
+          </a:effectRef>
+          <a:fontRef idx="minor">
+            <a:schemeClr val="lt1"/>
+          </a:fontRef>
+        </p:style>
+        <p:txBody>
+          <a:bodyPr rtlCol="0" anchor="ctr"/>
+          <a:lstStyle/>
+          <a:p>
+            <a:pPr algn="ctr"/>
+            <a:endParaRPr lang="en-US"/>
+          </a:p>
+        </p:txBody>
+      </p:sp>
+      <p:sp>
+        <p:nvSpPr>
+          <p:cNvPr id="32" name="Rounded Rectangle 31"/>
+          <p:cNvSpPr/>
+          <p:nvPr/>
+        </p:nvSpPr>
+        <p:spPr>
+          <a:xfrm>
+            <a:off x="1959428" y="2198"/>
+            <a:ext cx="3396343" cy="6495143"/>
+          </a:xfrm>
+          <a:prstGeom prst="roundRect">
+            <a:avLst/>
+          </a:prstGeom>
+          <a:solidFill>
+            <a:schemeClr val="bg2"/>
+          </a:solidFill>
+          <a:ln>
+            <a:solidFill>
+              <a:schemeClr val="bg2"/>
+            </a:solidFill>
+          </a:ln>
+        </p:spPr>
+        <p:style>
+          <a:lnRef idx="2">
+            <a:schemeClr val="accent1">
+              <a:shade val="50000"/>
+            </a:schemeClr>
+          </a:lnRef>
+          <a:fillRef idx="1">
+            <a:schemeClr val="accent1"/>
+          </a:fillRef>
+          <a:effectRef idx="0">
+            <a:schemeClr val="accent1"/>
+          </a:effectRef>
+          <a:fontRef idx="minor">
+            <a:schemeClr val="lt1"/>
+          </a:fontRef>
+        </p:style>
+        <p:txBody>
+          <a:bodyPr rtlCol="0" anchor="ctr"/>
+          <a:lstStyle/>
+          <a:p>
+            <a:pPr algn="ctr"/>
+            <a:endParaRPr lang="en-US" dirty="0"/>
+          </a:p>
+        </p:txBody>
+      </p:sp>
+      <p:sp>
+        <p:nvSpPr>
+          <p:cNvPr id="4" name="Rounded Rectangle 3"/>
+          <p:cNvSpPr/>
+          <p:nvPr/>
+        </p:nvSpPr>
+        <p:spPr>
+          <a:xfrm>
+            <a:off x="2160127" y="2106692"/>
+            <a:ext cx="3057637" cy="252913"/>
+          </a:xfrm>
+          <a:prstGeom prst="roundRect">
+            <a:avLst/>
+          </a:prstGeom>
+          <a:solidFill>
+            <a:schemeClr val="accent1"/>
+          </a:solidFill>
+        </p:spPr>
+        <p:style>
+          <a:lnRef idx="2">
+            <a:schemeClr val="accent1">
+              <a:shade val="50000"/>
+            </a:schemeClr>
+          </a:lnRef>
+          <a:fillRef idx="1">
+            <a:schemeClr val="accent1"/>
+          </a:fillRef>
+          <a:effectRef idx="0">
+            <a:schemeClr val="accent1"/>
+          </a:effectRef>
+          <a:fontRef idx="minor">
+            <a:schemeClr val="lt1"/>
+          </a:fontRef>
+        </p:style>
+        <p:txBody>
+          <a:bodyPr rtlCol="0" anchor="ctr"/>
+          <a:lstStyle/>
+          <a:p>
+            <a:pPr algn="ctr"/>
+            <a:r>
+              <a:rPr lang="en-US" dirty="0" smtClean="0"/>
+              <a:t>Filter Marker Data</a:t>
+            </a:r>
+            <a:endParaRPr lang="en-US" dirty="0"/>
+          </a:p>
+        </p:txBody>
+      </p:sp>
+      <p:sp>
+        <p:nvSpPr>
+          <p:cNvPr id="5" name="Rounded Rectangle 4"/>
+          <p:cNvSpPr/>
+          <p:nvPr/>
+        </p:nvSpPr>
+        <p:spPr>
+          <a:xfrm>
+            <a:off x="2148181" y="2539452"/>
+            <a:ext cx="3057637" cy="252913"/>
+          </a:xfrm>
+          <a:prstGeom prst="roundRect">
+            <a:avLst/>
+          </a:prstGeom>
+          <a:solidFill>
+            <a:schemeClr val="accent1"/>
+          </a:solidFill>
+        </p:spPr>
+        <p:style>
+          <a:lnRef idx="2">
+            <a:schemeClr val="accent1">
+              <a:shade val="50000"/>
+            </a:schemeClr>
+          </a:lnRef>
+          <a:fillRef idx="1">
+            <a:schemeClr val="accent1"/>
+          </a:fillRef>
+          <a:effectRef idx="0">
+            <a:schemeClr val="accent1"/>
+          </a:effectRef>
+          <a:fontRef idx="minor">
+            <a:schemeClr val="lt1"/>
+          </a:fontRef>
+        </p:style>
+        <p:txBody>
+          <a:bodyPr rtlCol="0" anchor="ctr"/>
+          <a:lstStyle/>
+          <a:p>
+            <a:pPr algn="ctr"/>
+            <a:r>
+              <a:rPr lang="en-US" dirty="0" smtClean="0"/>
+              <a:t>Transform to </a:t>
+            </a:r>
+            <a:r>
+              <a:rPr lang="en-US" dirty="0" err="1" smtClean="0"/>
+              <a:t>OpenSim</a:t>
+            </a:r>
+            <a:r>
+              <a:rPr lang="en-US" dirty="0" smtClean="0"/>
+              <a:t>  global</a:t>
+            </a:r>
+            <a:endParaRPr lang="en-US" dirty="0"/>
+          </a:p>
+        </p:txBody>
+      </p:sp>
+      <p:sp>
+        <p:nvSpPr>
+          <p:cNvPr id="6" name="Rounded Rectangle 5"/>
+          <p:cNvSpPr/>
+          <p:nvPr/>
+        </p:nvSpPr>
+        <p:spPr>
+          <a:xfrm>
+            <a:off x="2150819" y="2986611"/>
+            <a:ext cx="3057637" cy="252913"/>
+          </a:xfrm>
+          <a:prstGeom prst="roundRect">
+            <a:avLst/>
+          </a:prstGeom>
+        </p:spPr>
+        <p:style>
+          <a:lnRef idx="2">
+            <a:schemeClr val="accent1">
+              <a:shade val="50000"/>
+            </a:schemeClr>
+          </a:lnRef>
+          <a:fillRef idx="1">
+            <a:schemeClr val="accent1"/>
+          </a:fillRef>
+          <a:effectRef idx="0">
+            <a:schemeClr val="accent1"/>
+          </a:effectRef>
+          <a:fontRef idx="minor">
+            <a:schemeClr val="lt1"/>
+          </a:fontRef>
+        </p:style>
+        <p:txBody>
+          <a:bodyPr rtlCol="0" anchor="ctr"/>
+          <a:lstStyle/>
+          <a:p>
+            <a:pPr algn="ctr"/>
+            <a:r>
+              <a:rPr lang="en-US" dirty="0" smtClean="0"/>
+              <a:t>Print Markers to .</a:t>
+            </a:r>
+            <a:r>
+              <a:rPr lang="en-US" dirty="0" err="1" smtClean="0"/>
+              <a:t>trc</a:t>
+            </a:r>
+            <a:endParaRPr lang="en-US" dirty="0"/>
+          </a:p>
+        </p:txBody>
+      </p:sp>
+      <p:sp>
+        <p:nvSpPr>
+          <p:cNvPr id="7" name="Rounded Rectangle 6"/>
+          <p:cNvSpPr/>
+          <p:nvPr/>
+        </p:nvSpPr>
+        <p:spPr>
+          <a:xfrm>
+            <a:off x="2160128" y="3432211"/>
+            <a:ext cx="3057637" cy="265958"/>
+          </a:xfrm>
+          <a:prstGeom prst="roundRect">
+            <a:avLst/>
+          </a:prstGeom>
+          <a:solidFill>
+            <a:schemeClr val="accent2"/>
+          </a:solidFill>
+        </p:spPr>
+        <p:style>
+          <a:lnRef idx="2">
+            <a:schemeClr val="accent1">
+              <a:shade val="50000"/>
+            </a:schemeClr>
+          </a:lnRef>
+          <a:fillRef idx="1">
+            <a:schemeClr val="accent1"/>
+          </a:fillRef>
+          <a:effectRef idx="0">
+            <a:schemeClr val="accent1"/>
+          </a:effectRef>
+          <a:fontRef idx="minor">
+            <a:schemeClr val="lt1"/>
+          </a:fontRef>
+        </p:style>
+        <p:txBody>
+          <a:bodyPr rtlCol="0" anchor="ctr"/>
+          <a:lstStyle/>
+          <a:p>
+            <a:pPr algn="ctr"/>
+            <a:r>
+              <a:rPr lang="en-US" dirty="0" err="1" smtClean="0"/>
+              <a:t>forceplate</a:t>
+            </a:r>
+            <a:r>
+              <a:rPr lang="en-US" dirty="0" smtClean="0"/>
+              <a:t> data to global</a:t>
+            </a:r>
+            <a:endParaRPr lang="en-US" dirty="0"/>
+          </a:p>
+        </p:txBody>
+      </p:sp>
+      <p:sp>
+        <p:nvSpPr>
+          <p:cNvPr id="8" name="Rounded Rectangle 7"/>
+          <p:cNvSpPr/>
+          <p:nvPr/>
+        </p:nvSpPr>
+        <p:spPr>
+          <a:xfrm>
+            <a:off x="2160128" y="3864214"/>
+            <a:ext cx="3057637" cy="252913"/>
+          </a:xfrm>
+          <a:prstGeom prst="roundRect">
+            <a:avLst/>
+          </a:prstGeom>
+          <a:solidFill>
+            <a:schemeClr val="accent2"/>
+          </a:solidFill>
+        </p:spPr>
+        <p:style>
+          <a:lnRef idx="2">
+            <a:schemeClr val="accent1">
+              <a:shade val="50000"/>
+            </a:schemeClr>
+          </a:lnRef>
+          <a:fillRef idx="1">
+            <a:schemeClr val="accent1"/>
+          </a:fillRef>
+          <a:effectRef idx="0">
+            <a:schemeClr val="accent1"/>
+          </a:effectRef>
+          <a:fontRef idx="minor">
+            <a:schemeClr val="lt1"/>
+          </a:fontRef>
+        </p:style>
+        <p:txBody>
+          <a:bodyPr rtlCol="0" anchor="ctr"/>
+          <a:lstStyle/>
+          <a:p>
+            <a:pPr algn="ctr"/>
+            <a:r>
+              <a:rPr lang="en-US" dirty="0" smtClean="0"/>
+              <a:t> ‘Process’ forces</a:t>
+            </a:r>
+            <a:endParaRPr lang="en-US" dirty="0"/>
+          </a:p>
+        </p:txBody>
+      </p:sp>
+      <p:sp>
+        <p:nvSpPr>
+          <p:cNvPr id="9" name="Rounded Rectangle 8"/>
+          <p:cNvSpPr/>
+          <p:nvPr/>
+        </p:nvSpPr>
+        <p:spPr>
+          <a:xfrm>
+            <a:off x="2160128" y="4271175"/>
+            <a:ext cx="3057637" cy="252913"/>
+          </a:xfrm>
+          <a:prstGeom prst="roundRect">
+            <a:avLst/>
+          </a:prstGeom>
+          <a:solidFill>
+            <a:schemeClr val="accent2"/>
+          </a:solidFill>
+        </p:spPr>
+        <p:style>
+          <a:lnRef idx="2">
+            <a:schemeClr val="accent1">
+              <a:shade val="50000"/>
+            </a:schemeClr>
+          </a:lnRef>
+          <a:fillRef idx="1">
+            <a:schemeClr val="accent1"/>
+          </a:fillRef>
+          <a:effectRef idx="0">
+            <a:schemeClr val="accent1"/>
+          </a:effectRef>
+          <a:fontRef idx="minor">
+            <a:schemeClr val="lt1"/>
+          </a:fontRef>
+        </p:style>
+        <p:txBody>
+          <a:bodyPr rtlCol="0" anchor="ctr"/>
+          <a:lstStyle/>
+          <a:p>
+            <a:pPr algn="ctr"/>
+            <a:r>
+              <a:rPr lang="en-US" dirty="0" smtClean="0"/>
+              <a:t>Calculate COP</a:t>
+            </a:r>
+            <a:endParaRPr lang="en-US" dirty="0"/>
+          </a:p>
+        </p:txBody>
+      </p:sp>
+      <p:sp>
+        <p:nvSpPr>
+          <p:cNvPr id="10" name="Rounded Rectangle 9"/>
+          <p:cNvSpPr/>
+          <p:nvPr/>
+        </p:nvSpPr>
+        <p:spPr>
+          <a:xfrm>
+            <a:off x="2150819" y="5079955"/>
+            <a:ext cx="3057637" cy="252913"/>
+          </a:xfrm>
+          <a:prstGeom prst="roundRect">
+            <a:avLst/>
+          </a:prstGeom>
+          <a:solidFill>
+            <a:schemeClr val="accent2"/>
+          </a:solidFill>
+        </p:spPr>
+        <p:style>
+          <a:lnRef idx="2">
+            <a:schemeClr val="accent1">
+              <a:shade val="50000"/>
+            </a:schemeClr>
+          </a:lnRef>
+          <a:fillRef idx="1">
+            <a:schemeClr val="accent1"/>
+          </a:fillRef>
+          <a:effectRef idx="0">
+            <a:schemeClr val="accent1"/>
+          </a:effectRef>
+          <a:fontRef idx="minor">
+            <a:schemeClr val="lt1"/>
+          </a:fontRef>
+        </p:style>
+        <p:txBody>
+          <a:bodyPr rtlCol="0" anchor="ctr"/>
+          <a:lstStyle/>
+          <a:p>
+            <a:pPr algn="ctr"/>
+            <a:r>
+              <a:rPr lang="en-US" dirty="0" smtClean="0"/>
+              <a:t>Associate forces to bodies</a:t>
+            </a:r>
+            <a:endParaRPr lang="en-US" dirty="0"/>
+          </a:p>
+        </p:txBody>
+      </p:sp>
+      <p:sp>
+        <p:nvSpPr>
+          <p:cNvPr id="11" name="Rounded Rectangle 10"/>
+          <p:cNvSpPr/>
+          <p:nvPr/>
+        </p:nvSpPr>
+        <p:spPr>
+          <a:xfrm>
+            <a:off x="2151934" y="5481037"/>
+            <a:ext cx="3057637" cy="252913"/>
+          </a:xfrm>
+          <a:prstGeom prst="roundRect">
+            <a:avLst/>
+          </a:prstGeom>
+          <a:solidFill>
+            <a:schemeClr val="accent2"/>
+          </a:solidFill>
+        </p:spPr>
+        <p:style>
+          <a:lnRef idx="2">
+            <a:schemeClr val="accent1">
+              <a:shade val="50000"/>
+            </a:schemeClr>
+          </a:lnRef>
+          <a:fillRef idx="1">
+            <a:schemeClr val="accent1"/>
+          </a:fillRef>
+          <a:effectRef idx="0">
+            <a:schemeClr val="accent1"/>
+          </a:effectRef>
+          <a:fontRef idx="minor">
+            <a:schemeClr val="lt1"/>
+          </a:fontRef>
+        </p:style>
+        <p:txBody>
+          <a:bodyPr rtlCol="0" anchor="ctr"/>
+          <a:lstStyle/>
+          <a:p>
+            <a:pPr algn="ctr"/>
+            <a:r>
+              <a:rPr lang="en-US" dirty="0" smtClean="0"/>
+              <a:t>Print Forces to .mot</a:t>
+            </a:r>
+            <a:endParaRPr lang="en-US" dirty="0"/>
+          </a:p>
+        </p:txBody>
+      </p:sp>
+      <p:sp>
+        <p:nvSpPr>
+          <p:cNvPr id="20" name="Rounded Rectangle 19"/>
+          <p:cNvSpPr/>
+          <p:nvPr/>
+        </p:nvSpPr>
+        <p:spPr>
+          <a:xfrm>
+            <a:off x="2160128" y="4678136"/>
+            <a:ext cx="3057637" cy="252913"/>
+          </a:xfrm>
+          <a:prstGeom prst="roundRect">
+            <a:avLst/>
+          </a:prstGeom>
+          <a:solidFill>
+            <a:schemeClr val="accent2"/>
+          </a:solidFill>
+        </p:spPr>
+        <p:style>
+          <a:lnRef idx="2">
+            <a:schemeClr val="accent1">
+              <a:shade val="50000"/>
+            </a:schemeClr>
+          </a:lnRef>
+          <a:fillRef idx="1">
+            <a:schemeClr val="accent1"/>
+          </a:fillRef>
+          <a:effectRef idx="0">
+            <a:schemeClr val="accent1"/>
+          </a:effectRef>
+          <a:fontRef idx="minor">
+            <a:schemeClr val="lt1"/>
+          </a:fontRef>
+        </p:style>
+        <p:txBody>
+          <a:bodyPr rtlCol="0" anchor="ctr"/>
+          <a:lstStyle/>
+          <a:p>
+            <a:pPr algn="ctr"/>
+            <a:r>
+              <a:rPr lang="en-US" dirty="0" smtClean="0"/>
+              <a:t>Transform to </a:t>
+            </a:r>
+            <a:r>
+              <a:rPr lang="en-US" dirty="0" err="1" smtClean="0"/>
+              <a:t>OpenSim</a:t>
+            </a:r>
+            <a:r>
+              <a:rPr lang="en-US" dirty="0" smtClean="0"/>
+              <a:t>  Global</a:t>
+            </a:r>
+            <a:endParaRPr lang="en-US" dirty="0"/>
+          </a:p>
+        </p:txBody>
+      </p:sp>
+      <p:sp>
+        <p:nvSpPr>
+          <p:cNvPr id="12" name="Rounded Rectangle 11"/>
+          <p:cNvSpPr/>
+          <p:nvPr/>
+        </p:nvSpPr>
+        <p:spPr>
+          <a:xfrm>
+            <a:off x="5784717" y="1210518"/>
+            <a:ext cx="3057637" cy="252913"/>
+          </a:xfrm>
+          <a:prstGeom prst="roundRect">
+            <a:avLst/>
+          </a:prstGeom>
+          <a:solidFill>
+            <a:schemeClr val="accent1"/>
+          </a:solidFill>
+        </p:spPr>
+        <p:style>
+          <a:lnRef idx="2">
+            <a:schemeClr val="accent1">
+              <a:shade val="50000"/>
+            </a:schemeClr>
+          </a:lnRef>
+          <a:fillRef idx="1">
+            <a:schemeClr val="accent1"/>
+          </a:fillRef>
+          <a:effectRef idx="0">
+            <a:schemeClr val="accent1"/>
+          </a:effectRef>
+          <a:fontRef idx="minor">
+            <a:schemeClr val="lt1"/>
+          </a:fontRef>
+        </p:style>
+        <p:txBody>
+          <a:bodyPr rtlCol="0" anchor="ctr"/>
+          <a:lstStyle/>
+          <a:p>
+            <a:pPr algn="ctr"/>
+            <a:r>
+              <a:rPr lang="en-US" dirty="0" err="1" smtClean="0"/>
+              <a:t>keepMarkersFromList</a:t>
+            </a:r>
+            <a:r>
+              <a:rPr lang="en-US" dirty="0" smtClean="0"/>
+              <a:t>()</a:t>
+            </a:r>
+            <a:endParaRPr lang="en-US" dirty="0"/>
+          </a:p>
+        </p:txBody>
+      </p:sp>
+      <p:sp>
+        <p:nvSpPr>
+          <p:cNvPr id="13" name="Rounded Rectangle 12"/>
+          <p:cNvSpPr/>
+          <p:nvPr/>
+        </p:nvSpPr>
+        <p:spPr>
+          <a:xfrm>
+            <a:off x="5754534" y="2535418"/>
+            <a:ext cx="3057637" cy="252913"/>
+          </a:xfrm>
+          <a:prstGeom prst="roundRect">
+            <a:avLst/>
+          </a:prstGeom>
+          <a:solidFill>
+            <a:schemeClr val="accent1"/>
+          </a:solidFill>
+        </p:spPr>
+        <p:style>
+          <a:lnRef idx="2">
+            <a:schemeClr val="accent1">
+              <a:shade val="50000"/>
+            </a:schemeClr>
+          </a:lnRef>
+          <a:fillRef idx="1">
+            <a:schemeClr val="accent1"/>
+          </a:fillRef>
+          <a:effectRef idx="0">
+            <a:schemeClr val="accent1"/>
+          </a:effectRef>
+          <a:fontRef idx="minor">
+            <a:schemeClr val="lt1"/>
+          </a:fontRef>
+        </p:style>
+        <p:txBody>
+          <a:bodyPr rtlCol="0" anchor="ctr"/>
+          <a:lstStyle/>
+          <a:p>
+            <a:pPr algn="ctr"/>
+            <a:r>
+              <a:rPr lang="en-US" dirty="0" err="1" smtClean="0"/>
+              <a:t>rotateCoordinateSys</a:t>
+            </a:r>
+            <a:r>
+              <a:rPr lang="en-US" dirty="0" smtClean="0"/>
+              <a:t>()</a:t>
+            </a:r>
+            <a:endParaRPr lang="en-US" dirty="0"/>
+          </a:p>
+        </p:txBody>
+      </p:sp>
+      <p:sp>
+        <p:nvSpPr>
+          <p:cNvPr id="14" name="Rounded Rectangle 13"/>
+          <p:cNvSpPr/>
+          <p:nvPr/>
+        </p:nvSpPr>
+        <p:spPr>
+          <a:xfrm>
+            <a:off x="5772003" y="2986610"/>
+            <a:ext cx="3057637" cy="252913"/>
+          </a:xfrm>
+          <a:prstGeom prst="roundRect">
+            <a:avLst/>
+          </a:prstGeom>
+        </p:spPr>
+        <p:style>
+          <a:lnRef idx="2">
+            <a:schemeClr val="accent1">
+              <a:shade val="50000"/>
+            </a:schemeClr>
+          </a:lnRef>
+          <a:fillRef idx="1">
+            <a:schemeClr val="accent1"/>
+          </a:fillRef>
+          <a:effectRef idx="0">
+            <a:schemeClr val="accent1"/>
+          </a:effectRef>
+          <a:fontRef idx="minor">
+            <a:schemeClr val="lt1"/>
+          </a:fontRef>
+        </p:style>
+        <p:txBody>
+          <a:bodyPr rtlCol="0" anchor="ctr"/>
+          <a:lstStyle/>
+          <a:p>
+            <a:pPr algn="ctr"/>
+            <a:r>
+              <a:rPr lang="en-US" dirty="0" err="1" smtClean="0"/>
+              <a:t>printTRC</a:t>
+            </a:r>
+            <a:r>
+              <a:rPr lang="en-US" dirty="0" smtClean="0"/>
+              <a:t>()</a:t>
+            </a:r>
+            <a:endParaRPr lang="en-US" dirty="0"/>
+          </a:p>
+        </p:txBody>
+      </p:sp>
+      <p:sp>
+        <p:nvSpPr>
+          <p:cNvPr id="15" name="Rounded Rectangle 14"/>
+          <p:cNvSpPr/>
+          <p:nvPr/>
+        </p:nvSpPr>
+        <p:spPr>
+          <a:xfrm>
+            <a:off x="5784717" y="3432211"/>
+            <a:ext cx="3057637" cy="252913"/>
+          </a:xfrm>
+          <a:prstGeom prst="roundRect">
+            <a:avLst/>
+          </a:prstGeom>
+          <a:solidFill>
+            <a:schemeClr val="accent2"/>
+          </a:solidFill>
+        </p:spPr>
+        <p:style>
+          <a:lnRef idx="2">
+            <a:schemeClr val="accent1">
+              <a:shade val="50000"/>
+            </a:schemeClr>
+          </a:lnRef>
+          <a:fillRef idx="1">
+            <a:schemeClr val="accent1"/>
+          </a:fillRef>
+          <a:effectRef idx="0">
+            <a:schemeClr val="accent1"/>
+          </a:effectRef>
+          <a:fontRef idx="minor">
+            <a:schemeClr val="lt1"/>
+          </a:fontRef>
+        </p:style>
+        <p:txBody>
+          <a:bodyPr rtlCol="0" anchor="ctr"/>
+          <a:lstStyle/>
+          <a:p>
+            <a:pPr algn="ctr"/>
+            <a:r>
+              <a:rPr lang="en-US" dirty="0" smtClean="0"/>
+              <a:t>forces2Global()</a:t>
+            </a:r>
+            <a:endParaRPr lang="en-US" dirty="0"/>
+          </a:p>
+        </p:txBody>
+      </p:sp>
+      <p:sp>
+        <p:nvSpPr>
+          <p:cNvPr id="16" name="Rounded Rectangle 15"/>
+          <p:cNvSpPr/>
+          <p:nvPr/>
+        </p:nvSpPr>
+        <p:spPr>
+          <a:xfrm>
+            <a:off x="5772004" y="3870544"/>
+            <a:ext cx="3057637" cy="252913"/>
+          </a:xfrm>
+          <a:prstGeom prst="roundRect">
+            <a:avLst/>
+          </a:prstGeom>
+          <a:solidFill>
+            <a:schemeClr val="accent2"/>
+          </a:solidFill>
+        </p:spPr>
+        <p:style>
+          <a:lnRef idx="2">
+            <a:schemeClr val="accent1">
+              <a:shade val="50000"/>
+            </a:schemeClr>
+          </a:lnRef>
+          <a:fillRef idx="1">
+            <a:schemeClr val="accent1"/>
+          </a:fillRef>
+          <a:effectRef idx="0">
+            <a:schemeClr val="accent1"/>
+          </a:effectRef>
+          <a:fontRef idx="minor">
+            <a:schemeClr val="lt1"/>
+          </a:fontRef>
+        </p:style>
+        <p:txBody>
+          <a:bodyPr rtlCol="0" anchor="ctr"/>
+          <a:lstStyle/>
+          <a:p>
+            <a:pPr algn="ctr"/>
+            <a:r>
+              <a:rPr lang="en-US" dirty="0" err="1" smtClean="0"/>
+              <a:t>grfProcessing</a:t>
+            </a:r>
+            <a:r>
+              <a:rPr lang="en-US" dirty="0" smtClean="0"/>
+              <a:t>()</a:t>
+            </a:r>
+            <a:endParaRPr lang="en-US" dirty="0"/>
+          </a:p>
+        </p:txBody>
+      </p:sp>
+      <p:sp>
+        <p:nvSpPr>
+          <p:cNvPr id="17" name="Rounded Rectangle 16"/>
+          <p:cNvSpPr/>
+          <p:nvPr/>
+        </p:nvSpPr>
+        <p:spPr>
+          <a:xfrm>
+            <a:off x="5750725" y="4271174"/>
+            <a:ext cx="3057637" cy="252913"/>
+          </a:xfrm>
+          <a:prstGeom prst="roundRect">
+            <a:avLst/>
+          </a:prstGeom>
+          <a:solidFill>
+            <a:schemeClr val="accent2"/>
+          </a:solidFill>
+        </p:spPr>
+        <p:style>
+          <a:lnRef idx="2">
+            <a:schemeClr val="accent1">
+              <a:shade val="50000"/>
+            </a:schemeClr>
+          </a:lnRef>
+          <a:fillRef idx="1">
+            <a:schemeClr val="accent1"/>
+          </a:fillRef>
+          <a:effectRef idx="0">
+            <a:schemeClr val="accent1"/>
+          </a:effectRef>
+          <a:fontRef idx="minor">
+            <a:schemeClr val="lt1"/>
+          </a:fontRef>
+        </p:style>
+        <p:txBody>
+          <a:bodyPr rtlCol="0" anchor="ctr"/>
+          <a:lstStyle/>
+          <a:p>
+            <a:pPr algn="ctr"/>
+            <a:r>
+              <a:rPr lang="en-US" dirty="0" err="1" smtClean="0"/>
+              <a:t>copCalc</a:t>
+            </a:r>
+            <a:r>
+              <a:rPr lang="en-US" dirty="0" smtClean="0"/>
+              <a:t>()</a:t>
+            </a:r>
+            <a:endParaRPr lang="en-US" dirty="0"/>
+          </a:p>
+        </p:txBody>
+      </p:sp>
+      <p:sp>
+        <p:nvSpPr>
+          <p:cNvPr id="18" name="Rounded Rectangle 17"/>
+          <p:cNvSpPr/>
+          <p:nvPr/>
+        </p:nvSpPr>
+        <p:spPr>
+          <a:xfrm>
+            <a:off x="5750725" y="5080407"/>
+            <a:ext cx="3057637" cy="252913"/>
+          </a:xfrm>
+          <a:prstGeom prst="roundRect">
+            <a:avLst/>
+          </a:prstGeom>
+          <a:solidFill>
+            <a:schemeClr val="accent2"/>
+          </a:solidFill>
+        </p:spPr>
+        <p:style>
+          <a:lnRef idx="2">
+            <a:schemeClr val="accent1">
+              <a:shade val="50000"/>
+            </a:schemeClr>
+          </a:lnRef>
+          <a:fillRef idx="1">
+            <a:schemeClr val="accent1"/>
+          </a:fillRef>
+          <a:effectRef idx="0">
+            <a:schemeClr val="accent1"/>
+          </a:effectRef>
+          <a:fontRef idx="minor">
+            <a:schemeClr val="lt1"/>
+          </a:fontRef>
+        </p:style>
+        <p:txBody>
+          <a:bodyPr rtlCol="0" anchor="ctr"/>
+          <a:lstStyle/>
+          <a:p>
+            <a:pPr algn="ctr"/>
+            <a:r>
+              <a:rPr lang="en-US" dirty="0" smtClean="0"/>
+              <a:t>connectForces2Bodies()</a:t>
+            </a:r>
+            <a:endParaRPr lang="en-US" dirty="0"/>
+          </a:p>
+        </p:txBody>
+      </p:sp>
+      <p:sp>
+        <p:nvSpPr>
+          <p:cNvPr id="19" name="Rounded Rectangle 18"/>
+          <p:cNvSpPr/>
+          <p:nvPr/>
+        </p:nvSpPr>
+        <p:spPr>
+          <a:xfrm>
+            <a:off x="5750726" y="5481037"/>
+            <a:ext cx="3057637" cy="229921"/>
+          </a:xfrm>
+          <a:prstGeom prst="roundRect">
+            <a:avLst/>
+          </a:prstGeom>
+          <a:solidFill>
+            <a:schemeClr val="accent2"/>
+          </a:solidFill>
+        </p:spPr>
+        <p:style>
+          <a:lnRef idx="2">
+            <a:schemeClr val="accent1">
+              <a:shade val="50000"/>
+            </a:schemeClr>
+          </a:lnRef>
+          <a:fillRef idx="1">
+            <a:schemeClr val="accent1"/>
+          </a:fillRef>
+          <a:effectRef idx="0">
+            <a:schemeClr val="accent1"/>
+          </a:effectRef>
+          <a:fontRef idx="minor">
+            <a:schemeClr val="lt1"/>
+          </a:fontRef>
+        </p:style>
+        <p:txBody>
+          <a:bodyPr rtlCol="0" anchor="ctr"/>
+          <a:lstStyle/>
+          <a:p>
+            <a:pPr algn="ctr"/>
+            <a:r>
+              <a:rPr lang="en-US" dirty="0" err="1" smtClean="0"/>
+              <a:t>printMot</a:t>
+            </a:r>
+            <a:r>
+              <a:rPr lang="en-US" dirty="0" smtClean="0"/>
+              <a:t>()</a:t>
+            </a:r>
+            <a:endParaRPr lang="en-US" dirty="0"/>
+          </a:p>
+        </p:txBody>
+      </p:sp>
+      <p:sp>
+        <p:nvSpPr>
+          <p:cNvPr id="21" name="Rounded Rectangle 20"/>
+          <p:cNvSpPr/>
+          <p:nvPr/>
+        </p:nvSpPr>
+        <p:spPr>
+          <a:xfrm>
+            <a:off x="5750725" y="4679777"/>
+            <a:ext cx="3057637" cy="252913"/>
+          </a:xfrm>
+          <a:prstGeom prst="roundRect">
+            <a:avLst/>
+          </a:prstGeom>
+          <a:solidFill>
+            <a:schemeClr val="accent2"/>
+          </a:solidFill>
+        </p:spPr>
+        <p:style>
+          <a:lnRef idx="2">
+            <a:schemeClr val="accent1">
+              <a:shade val="50000"/>
+            </a:schemeClr>
+          </a:lnRef>
+          <a:fillRef idx="1">
+            <a:schemeClr val="accent1"/>
+          </a:fillRef>
+          <a:effectRef idx="0">
+            <a:schemeClr val="accent1"/>
+          </a:effectRef>
+          <a:fontRef idx="minor">
+            <a:schemeClr val="lt1"/>
+          </a:fontRef>
+        </p:style>
+        <p:txBody>
+          <a:bodyPr rtlCol="0" anchor="ctr"/>
+          <a:lstStyle/>
+          <a:p>
+            <a:pPr algn="ctr"/>
+            <a:r>
+              <a:rPr lang="en-US" dirty="0" err="1" smtClean="0"/>
+              <a:t>rotateCoordinateSys</a:t>
+            </a:r>
+            <a:r>
+              <a:rPr lang="en-US" dirty="0" smtClean="0"/>
+              <a:t>()</a:t>
+            </a:r>
+            <a:endParaRPr lang="en-US" dirty="0"/>
+          </a:p>
+        </p:txBody>
+      </p:sp>
       <p:grpSp>
         <p:nvGrpSpPr>
-          <p:cNvPr id="36" name="Group 35"/>
+          <p:cNvPr id="30" name="Group 29"/>
           <p:cNvGrpSpPr/>
           <p:nvPr/>
         </p:nvGrpSpPr>
         <p:grpSpPr>
           <a:xfrm>
-            <a:off x="1959428" y="0"/>
-            <a:ext cx="7004915" cy="6870703"/>
-            <a:chOff x="1959428" y="0"/>
-            <a:chExt cx="7004915" cy="6870703"/>
+            <a:off x="5780574" y="6515583"/>
+            <a:ext cx="1098621" cy="369332"/>
+            <a:chOff x="10174550" y="4040889"/>
+            <a:chExt cx="1098621" cy="369332"/>
           </a:xfrm>
         </p:grpSpPr>
         <p:sp>
           <p:nvSpPr>
-            <p:cNvPr id="33" name="Rounded Rectangle 32"/>
+            <p:cNvPr id="23" name="Rounded Rectangle 22"/>
             <p:cNvSpPr/>
             <p:nvPr/>
           </p:nvSpPr>
           <p:spPr>
-            <a:xfrm>
-              <a:off x="5568000" y="0"/>
-              <a:ext cx="3396343" cy="6495143"/>
+            <a:xfrm flipH="1">
+              <a:off x="10174550" y="4087497"/>
+              <a:ext cx="343626" cy="276116"/>
             </a:xfrm>
             <a:prstGeom prst="roundRect">
               <a:avLst/>
             </a:prstGeom>
             <a:solidFill>
-              <a:schemeClr val="bg2"/>
+              <a:schemeClr val="accent2"/>
             </a:solidFill>
-            <a:ln>
-              <a:solidFill>
-                <a:schemeClr val="bg2"/>
-              </a:solidFill>
-            </a:ln>
-          </p:spPr>
-          <p:style>
-            <a:lnRef idx="2">
-              <a:schemeClr val="accent1">
-                <a:shade val="50000"/>
-              </a:schemeClr>
-            </a:lnRef>
-            <a:fillRef idx="1">
-              <a:schemeClr val="accent1"/>
-            </a:fillRef>
-            <a:effectRef idx="0">
-              <a:schemeClr val="accent1"/>
-            </a:effectRef>
-            <a:fontRef idx="minor">
-              <a:schemeClr val="lt1"/>
-            </a:fontRef>
-          </p:style>
-          <p:txBody>
-            <a:bodyPr rtlCol="0" anchor="ctr"/>
-            <a:lstStyle/>
-            <a:p>
-              <a:pPr algn="ctr"/>
-              <a:endParaRPr lang="en-US"/>
-            </a:p>
-          </p:txBody>
-        </p:sp>
-        <p:sp>
-          <p:nvSpPr>
-            <p:cNvPr id="32" name="Rounded Rectangle 31"/>
-            <p:cNvSpPr/>
-            <p:nvPr/>
-          </p:nvSpPr>
-          <p:spPr>
-            <a:xfrm>
-              <a:off x="1959428" y="2198"/>
-              <a:ext cx="3396343" cy="6495143"/>
-            </a:xfrm>
-            <a:prstGeom prst="roundRect">
-              <a:avLst/>
-            </a:prstGeom>
-            <a:solidFill>
-              <a:schemeClr val="bg2"/>
-            </a:solidFill>
-            <a:ln>
-              <a:solidFill>
-                <a:schemeClr val="bg2"/>
-              </a:solidFill>
-            </a:ln>
           </p:spPr>
           <p:style>
             <a:lnRef idx="2">
@@ -3525,14 +4452,59 @@
         </p:sp>
         <p:sp>
           <p:nvSpPr>
-            <p:cNvPr id="4" name="Rounded Rectangle 3"/>
+            <p:cNvPr id="26" name="TextBox 25"/>
+            <p:cNvSpPr txBox="1"/>
+            <p:nvPr/>
+          </p:nvSpPr>
+          <p:spPr>
+            <a:xfrm>
+              <a:off x="10484301" y="4040889"/>
+              <a:ext cx="788870" cy="369332"/>
+            </a:xfrm>
+            <a:prstGeom prst="rect">
+              <a:avLst/>
+            </a:prstGeom>
+            <a:noFill/>
+          </p:spPr>
+          <p:txBody>
+            <a:bodyPr wrap="none" rtlCol="0">
+              <a:spAutoFit/>
+            </a:bodyPr>
+            <a:lstStyle/>
+            <a:p>
+              <a:r>
+                <a:rPr lang="en-US" dirty="0" smtClean="0"/>
+                <a:t>Forces</a:t>
+              </a:r>
+              <a:endParaRPr lang="en-US" dirty="0"/>
+            </a:p>
+          </p:txBody>
+        </p:sp>
+      </p:grpSp>
+      <p:grpSp>
+        <p:nvGrpSpPr>
+          <p:cNvPr id="31" name="Group 30"/>
+          <p:cNvGrpSpPr/>
+          <p:nvPr/>
+        </p:nvGrpSpPr>
+        <p:grpSpPr>
+          <a:xfrm>
+            <a:off x="4545677" y="6515583"/>
+            <a:ext cx="1230612" cy="369332"/>
+            <a:chOff x="10174550" y="4772872"/>
+            <a:chExt cx="1230612" cy="369332"/>
+          </a:xfrm>
+        </p:grpSpPr>
+        <p:sp>
+          <p:nvSpPr>
+            <p:cNvPr id="25" name="Rounded Rectangle 24"/>
             <p:cNvSpPr/>
             <p:nvPr/>
           </p:nvSpPr>
           <p:spPr>
-            <a:xfrm>
-              <a:off x="2111509" y="863392"/>
-              <a:ext cx="3064475" cy="502508"/>
+            <a:xfrm flipH="1">
+              <a:off x="10174550" y="4806643"/>
+              <a:ext cx="343626" cy="276116"/>
             </a:xfrm>
             <a:prstGeom prst="roundRect">
               <a:avLst/>
@@ -3562,1145 +4534,20 @@
             <a:lstStyle/>
             <a:p>
               <a:pPr algn="ctr"/>
-              <a:r>
-                <a:rPr lang="en-US" dirty="0" smtClean="0"/>
-                <a:t>Filter Marker Data</a:t>
-              </a:r>
               <a:endParaRPr lang="en-US" dirty="0"/>
             </a:p>
           </p:txBody>
         </p:sp>
         <p:sp>
           <p:nvSpPr>
-            <p:cNvPr id="5" name="Rounded Rectangle 4"/>
-            <p:cNvSpPr/>
-            <p:nvPr/>
-          </p:nvSpPr>
-          <p:spPr>
-            <a:xfrm>
-              <a:off x="2126021" y="1469367"/>
-              <a:ext cx="3064475" cy="502508"/>
-            </a:xfrm>
-            <a:prstGeom prst="roundRect">
-              <a:avLst/>
-            </a:prstGeom>
-            <a:solidFill>
-              <a:schemeClr val="accent1"/>
-            </a:solidFill>
-          </p:spPr>
-          <p:style>
-            <a:lnRef idx="2">
-              <a:schemeClr val="accent1">
-                <a:shade val="50000"/>
-              </a:schemeClr>
-            </a:lnRef>
-            <a:fillRef idx="1">
-              <a:schemeClr val="accent1"/>
-            </a:fillRef>
-            <a:effectRef idx="0">
-              <a:schemeClr val="accent1"/>
-            </a:effectRef>
-            <a:fontRef idx="minor">
-              <a:schemeClr val="lt1"/>
-            </a:fontRef>
-          </p:style>
-          <p:txBody>
-            <a:bodyPr rtlCol="0" anchor="ctr"/>
-            <a:lstStyle/>
-            <a:p>
-              <a:pPr algn="ctr"/>
-              <a:r>
-                <a:rPr lang="en-US" dirty="0" smtClean="0"/>
-                <a:t>Transform to </a:t>
-              </a:r>
-              <a:r>
-                <a:rPr lang="en-US" dirty="0" err="1" smtClean="0"/>
-                <a:t>OpenSim</a:t>
-              </a:r>
-              <a:r>
-                <a:rPr lang="en-US" dirty="0" smtClean="0"/>
-                <a:t>  global</a:t>
-              </a:r>
-              <a:endParaRPr lang="en-US" dirty="0"/>
-            </a:p>
-          </p:txBody>
-        </p:sp>
-        <p:sp>
-          <p:nvSpPr>
-            <p:cNvPr id="6" name="Rounded Rectangle 5"/>
-            <p:cNvSpPr/>
-            <p:nvPr/>
-          </p:nvSpPr>
-          <p:spPr>
-            <a:xfrm>
-              <a:off x="2111508" y="2073820"/>
-              <a:ext cx="3064475" cy="502508"/>
-            </a:xfrm>
-            <a:prstGeom prst="roundRect">
-              <a:avLst/>
-            </a:prstGeom>
-          </p:spPr>
-          <p:style>
-            <a:lnRef idx="2">
-              <a:schemeClr val="accent1">
-                <a:shade val="50000"/>
-              </a:schemeClr>
-            </a:lnRef>
-            <a:fillRef idx="1">
-              <a:schemeClr val="accent1"/>
-            </a:fillRef>
-            <a:effectRef idx="0">
-              <a:schemeClr val="accent1"/>
-            </a:effectRef>
-            <a:fontRef idx="minor">
-              <a:schemeClr val="lt1"/>
-            </a:fontRef>
-          </p:style>
-          <p:txBody>
-            <a:bodyPr rtlCol="0" anchor="ctr"/>
-            <a:lstStyle/>
-            <a:p>
-              <a:pPr algn="ctr"/>
-              <a:r>
-                <a:rPr lang="en-US" dirty="0" smtClean="0"/>
-                <a:t>Print Markers to .</a:t>
-              </a:r>
-              <a:r>
-                <a:rPr lang="en-US" dirty="0" err="1" smtClean="0"/>
-                <a:t>trc</a:t>
-              </a:r>
-              <a:endParaRPr lang="en-US" dirty="0"/>
-            </a:p>
-          </p:txBody>
-        </p:sp>
-        <p:sp>
-          <p:nvSpPr>
-            <p:cNvPr id="7" name="Rounded Rectangle 6"/>
-            <p:cNvSpPr/>
-            <p:nvPr/>
-          </p:nvSpPr>
-          <p:spPr>
-            <a:xfrm>
-              <a:off x="2126021" y="2692785"/>
-              <a:ext cx="3064475" cy="528426"/>
-            </a:xfrm>
-            <a:prstGeom prst="roundRect">
-              <a:avLst/>
-            </a:prstGeom>
-            <a:solidFill>
-              <a:schemeClr val="accent2"/>
-            </a:solidFill>
-          </p:spPr>
-          <p:style>
-            <a:lnRef idx="2">
-              <a:schemeClr val="accent1">
-                <a:shade val="50000"/>
-              </a:schemeClr>
-            </a:lnRef>
-            <a:fillRef idx="1">
-              <a:schemeClr val="accent1"/>
-            </a:fillRef>
-            <a:effectRef idx="0">
-              <a:schemeClr val="accent1"/>
-            </a:effectRef>
-            <a:fontRef idx="minor">
-              <a:schemeClr val="lt1"/>
-            </a:fontRef>
-          </p:style>
-          <p:txBody>
-            <a:bodyPr rtlCol="0" anchor="ctr"/>
-            <a:lstStyle/>
-            <a:p>
-              <a:pPr algn="ctr"/>
-              <a:r>
-                <a:rPr lang="en-US" dirty="0" smtClean="0"/>
-                <a:t>Transform </a:t>
-              </a:r>
-              <a:r>
-                <a:rPr lang="en-US" dirty="0" err="1" smtClean="0"/>
-                <a:t>forceplate</a:t>
-              </a:r>
-              <a:r>
-                <a:rPr lang="en-US" dirty="0" smtClean="0"/>
-                <a:t> data to global</a:t>
-              </a:r>
-              <a:endParaRPr lang="en-US" dirty="0"/>
-            </a:p>
-          </p:txBody>
-        </p:sp>
-        <p:sp>
-          <p:nvSpPr>
-            <p:cNvPr id="8" name="Rounded Rectangle 7"/>
-            <p:cNvSpPr/>
-            <p:nvPr/>
-          </p:nvSpPr>
-          <p:spPr>
-            <a:xfrm>
-              <a:off x="2111506" y="3298756"/>
-              <a:ext cx="3064475" cy="502508"/>
-            </a:xfrm>
-            <a:prstGeom prst="roundRect">
-              <a:avLst/>
-            </a:prstGeom>
-            <a:solidFill>
-              <a:schemeClr val="accent2"/>
-            </a:solidFill>
-          </p:spPr>
-          <p:style>
-            <a:lnRef idx="2">
-              <a:schemeClr val="accent1">
-                <a:shade val="50000"/>
-              </a:schemeClr>
-            </a:lnRef>
-            <a:fillRef idx="1">
-              <a:schemeClr val="accent1"/>
-            </a:fillRef>
-            <a:effectRef idx="0">
-              <a:schemeClr val="accent1"/>
-            </a:effectRef>
-            <a:fontRef idx="minor">
-              <a:schemeClr val="lt1"/>
-            </a:fontRef>
-          </p:style>
-          <p:txBody>
-            <a:bodyPr rtlCol="0" anchor="ctr"/>
-            <a:lstStyle/>
-            <a:p>
-              <a:pPr algn="ctr"/>
-              <a:r>
-                <a:rPr lang="en-US" dirty="0" smtClean="0"/>
-                <a:t>Filter and threshold forces</a:t>
-              </a:r>
-              <a:endParaRPr lang="en-US" dirty="0"/>
-            </a:p>
-          </p:txBody>
-        </p:sp>
-        <p:sp>
-          <p:nvSpPr>
-            <p:cNvPr id="9" name="Rounded Rectangle 8"/>
-            <p:cNvSpPr/>
-            <p:nvPr/>
-          </p:nvSpPr>
-          <p:spPr>
-            <a:xfrm>
-              <a:off x="2111505" y="3901397"/>
-              <a:ext cx="3064475" cy="502508"/>
-            </a:xfrm>
-            <a:prstGeom prst="roundRect">
-              <a:avLst/>
-            </a:prstGeom>
-            <a:solidFill>
-              <a:schemeClr val="accent2"/>
-            </a:solidFill>
-          </p:spPr>
-          <p:style>
-            <a:lnRef idx="2">
-              <a:schemeClr val="accent1">
-                <a:shade val="50000"/>
-              </a:schemeClr>
-            </a:lnRef>
-            <a:fillRef idx="1">
-              <a:schemeClr val="accent1"/>
-            </a:fillRef>
-            <a:effectRef idx="0">
-              <a:schemeClr val="accent1"/>
-            </a:effectRef>
-            <a:fontRef idx="minor">
-              <a:schemeClr val="lt1"/>
-            </a:fontRef>
-          </p:style>
-          <p:txBody>
-            <a:bodyPr rtlCol="0" anchor="ctr"/>
-            <a:lstStyle/>
-            <a:p>
-              <a:pPr algn="ctr"/>
-              <a:r>
-                <a:rPr lang="en-US" dirty="0" smtClean="0"/>
-                <a:t>Calculate COP</a:t>
-              </a:r>
-              <a:endParaRPr lang="en-US" dirty="0"/>
-            </a:p>
-          </p:txBody>
-        </p:sp>
-        <p:sp>
-          <p:nvSpPr>
-            <p:cNvPr id="10" name="Rounded Rectangle 9"/>
-            <p:cNvSpPr/>
-            <p:nvPr/>
-          </p:nvSpPr>
-          <p:spPr>
-            <a:xfrm>
-              <a:off x="2111504" y="5103596"/>
-              <a:ext cx="3064475" cy="502508"/>
-            </a:xfrm>
-            <a:prstGeom prst="roundRect">
-              <a:avLst/>
-            </a:prstGeom>
-            <a:solidFill>
-              <a:schemeClr val="accent2"/>
-            </a:solidFill>
-          </p:spPr>
-          <p:style>
-            <a:lnRef idx="2">
-              <a:schemeClr val="accent1">
-                <a:shade val="50000"/>
-              </a:schemeClr>
-            </a:lnRef>
-            <a:fillRef idx="1">
-              <a:schemeClr val="accent1"/>
-            </a:fillRef>
-            <a:effectRef idx="0">
-              <a:schemeClr val="accent1"/>
-            </a:effectRef>
-            <a:fontRef idx="minor">
-              <a:schemeClr val="lt1"/>
-            </a:fontRef>
-          </p:style>
-          <p:txBody>
-            <a:bodyPr rtlCol="0" anchor="ctr"/>
-            <a:lstStyle/>
-            <a:p>
-              <a:pPr algn="ctr"/>
-              <a:r>
-                <a:rPr lang="en-US" dirty="0" smtClean="0"/>
-                <a:t>Associate forces to bodies</a:t>
-              </a:r>
-              <a:endParaRPr lang="en-US" dirty="0"/>
-            </a:p>
-          </p:txBody>
-        </p:sp>
-        <p:sp>
-          <p:nvSpPr>
-            <p:cNvPr id="11" name="Rounded Rectangle 10"/>
-            <p:cNvSpPr/>
-            <p:nvPr/>
-          </p:nvSpPr>
-          <p:spPr>
-            <a:xfrm>
-              <a:off x="2111503" y="5676321"/>
-              <a:ext cx="3064475" cy="502508"/>
-            </a:xfrm>
-            <a:prstGeom prst="roundRect">
-              <a:avLst/>
-            </a:prstGeom>
-            <a:solidFill>
-              <a:schemeClr val="accent2"/>
-            </a:solidFill>
-          </p:spPr>
-          <p:style>
-            <a:lnRef idx="2">
-              <a:schemeClr val="accent1">
-                <a:shade val="50000"/>
-              </a:schemeClr>
-            </a:lnRef>
-            <a:fillRef idx="1">
-              <a:schemeClr val="accent1"/>
-            </a:fillRef>
-            <a:effectRef idx="0">
-              <a:schemeClr val="accent1"/>
-            </a:effectRef>
-            <a:fontRef idx="minor">
-              <a:schemeClr val="lt1"/>
-            </a:fontRef>
-          </p:style>
-          <p:txBody>
-            <a:bodyPr rtlCol="0" anchor="ctr"/>
-            <a:lstStyle/>
-            <a:p>
-              <a:pPr algn="ctr"/>
-              <a:r>
-                <a:rPr lang="en-US" dirty="0" smtClean="0"/>
-                <a:t>Print Forces to .mot</a:t>
-              </a:r>
-              <a:endParaRPr lang="en-US" dirty="0"/>
-            </a:p>
-          </p:txBody>
-        </p:sp>
-        <p:sp>
-          <p:nvSpPr>
-            <p:cNvPr id="20" name="Rounded Rectangle 19"/>
-            <p:cNvSpPr/>
-            <p:nvPr/>
-          </p:nvSpPr>
-          <p:spPr>
-            <a:xfrm>
-              <a:off x="2111502" y="4511444"/>
-              <a:ext cx="3064475" cy="502508"/>
-            </a:xfrm>
-            <a:prstGeom prst="roundRect">
-              <a:avLst/>
-            </a:prstGeom>
-            <a:solidFill>
-              <a:schemeClr val="accent2"/>
-            </a:solidFill>
-          </p:spPr>
-          <p:style>
-            <a:lnRef idx="2">
-              <a:schemeClr val="accent1">
-                <a:shade val="50000"/>
-              </a:schemeClr>
-            </a:lnRef>
-            <a:fillRef idx="1">
-              <a:schemeClr val="accent1"/>
-            </a:fillRef>
-            <a:effectRef idx="0">
-              <a:schemeClr val="accent1"/>
-            </a:effectRef>
-            <a:fontRef idx="minor">
-              <a:schemeClr val="lt1"/>
-            </a:fontRef>
-          </p:style>
-          <p:txBody>
-            <a:bodyPr rtlCol="0" anchor="ctr"/>
-            <a:lstStyle/>
-            <a:p>
-              <a:pPr algn="ctr"/>
-              <a:r>
-                <a:rPr lang="en-US" dirty="0" smtClean="0"/>
-                <a:t>Transform to </a:t>
-              </a:r>
-              <a:r>
-                <a:rPr lang="en-US" dirty="0" err="1" smtClean="0"/>
-                <a:t>OpenSim</a:t>
-              </a:r>
-              <a:r>
-                <a:rPr lang="en-US" dirty="0" smtClean="0"/>
-                <a:t>  Global</a:t>
-              </a:r>
-              <a:endParaRPr lang="en-US" dirty="0"/>
-            </a:p>
-          </p:txBody>
-        </p:sp>
-        <p:sp>
-          <p:nvSpPr>
-            <p:cNvPr id="12" name="Rounded Rectangle 11"/>
-            <p:cNvSpPr/>
-            <p:nvPr/>
-          </p:nvSpPr>
-          <p:spPr>
-            <a:xfrm>
-              <a:off x="5733935" y="868335"/>
-              <a:ext cx="3064475" cy="502508"/>
-            </a:xfrm>
-            <a:prstGeom prst="roundRect">
-              <a:avLst/>
-            </a:prstGeom>
-            <a:solidFill>
-              <a:schemeClr val="accent6">
-                <a:lumMod val="75000"/>
-              </a:schemeClr>
-            </a:solidFill>
-          </p:spPr>
-          <p:style>
-            <a:lnRef idx="2">
-              <a:schemeClr val="accent1">
-                <a:shade val="50000"/>
-              </a:schemeClr>
-            </a:lnRef>
-            <a:fillRef idx="1">
-              <a:schemeClr val="accent1"/>
-            </a:fillRef>
-            <a:effectRef idx="0">
-              <a:schemeClr val="accent1"/>
-            </a:effectRef>
-            <a:fontRef idx="minor">
-              <a:schemeClr val="lt1"/>
-            </a:fontRef>
-          </p:style>
-          <p:txBody>
-            <a:bodyPr rtlCol="0" anchor="ctr"/>
-            <a:lstStyle/>
-            <a:p>
-              <a:pPr algn="ctr"/>
-              <a:r>
-                <a:rPr lang="en-US" dirty="0" err="1" smtClean="0"/>
-                <a:t>filterData</a:t>
-              </a:r>
-              <a:r>
-                <a:rPr lang="en-US" dirty="0" smtClean="0"/>
-                <a:t>()</a:t>
-              </a:r>
-              <a:endParaRPr lang="en-US" dirty="0"/>
-            </a:p>
-          </p:txBody>
-        </p:sp>
-        <p:sp>
-          <p:nvSpPr>
-            <p:cNvPr id="13" name="Rounded Rectangle 12"/>
-            <p:cNvSpPr/>
-            <p:nvPr/>
-          </p:nvSpPr>
-          <p:spPr>
-            <a:xfrm>
-              <a:off x="5733935" y="1469367"/>
-              <a:ext cx="3064475" cy="502508"/>
-            </a:xfrm>
-            <a:prstGeom prst="roundRect">
-              <a:avLst/>
-            </a:prstGeom>
-            <a:solidFill>
-              <a:schemeClr val="accent6">
-                <a:lumMod val="75000"/>
-              </a:schemeClr>
-            </a:solidFill>
-          </p:spPr>
-          <p:style>
-            <a:lnRef idx="2">
-              <a:schemeClr val="accent1">
-                <a:shade val="50000"/>
-              </a:schemeClr>
-            </a:lnRef>
-            <a:fillRef idx="1">
-              <a:schemeClr val="accent1"/>
-            </a:fillRef>
-            <a:effectRef idx="0">
-              <a:schemeClr val="accent1"/>
-            </a:effectRef>
-            <a:fontRef idx="minor">
-              <a:schemeClr val="lt1"/>
-            </a:fontRef>
-          </p:style>
-          <p:txBody>
-            <a:bodyPr rtlCol="0" anchor="ctr"/>
-            <a:lstStyle/>
-            <a:p>
-              <a:pPr algn="ctr"/>
-              <a:r>
-                <a:rPr lang="en-US" dirty="0" err="1" smtClean="0"/>
-                <a:t>rotateCoordinateSys</a:t>
-              </a:r>
-              <a:r>
-                <a:rPr lang="en-US" dirty="0" smtClean="0"/>
-                <a:t>()</a:t>
-              </a:r>
-              <a:endParaRPr lang="en-US" dirty="0"/>
-            </a:p>
-          </p:txBody>
-        </p:sp>
-        <p:sp>
-          <p:nvSpPr>
-            <p:cNvPr id="14" name="Rounded Rectangle 13"/>
-            <p:cNvSpPr/>
-            <p:nvPr/>
-          </p:nvSpPr>
-          <p:spPr>
-            <a:xfrm>
-              <a:off x="5733935" y="2073820"/>
-              <a:ext cx="3064475" cy="502508"/>
-            </a:xfrm>
-            <a:prstGeom prst="roundRect">
-              <a:avLst/>
-            </a:prstGeom>
-          </p:spPr>
-          <p:style>
-            <a:lnRef idx="2">
-              <a:schemeClr val="accent1">
-                <a:shade val="50000"/>
-              </a:schemeClr>
-            </a:lnRef>
-            <a:fillRef idx="1">
-              <a:schemeClr val="accent1"/>
-            </a:fillRef>
-            <a:effectRef idx="0">
-              <a:schemeClr val="accent1"/>
-            </a:effectRef>
-            <a:fontRef idx="minor">
-              <a:schemeClr val="lt1"/>
-            </a:fontRef>
-          </p:style>
-          <p:txBody>
-            <a:bodyPr rtlCol="0" anchor="ctr"/>
-            <a:lstStyle/>
-            <a:p>
-              <a:pPr algn="ctr"/>
-              <a:r>
-                <a:rPr lang="en-US" dirty="0" err="1" smtClean="0"/>
-                <a:t>printTRC</a:t>
-              </a:r>
-              <a:r>
-                <a:rPr lang="en-US" dirty="0" smtClean="0"/>
-                <a:t>()</a:t>
-              </a:r>
-              <a:endParaRPr lang="en-US" dirty="0"/>
-            </a:p>
-          </p:txBody>
-        </p:sp>
-        <p:sp>
-          <p:nvSpPr>
-            <p:cNvPr id="15" name="Rounded Rectangle 14"/>
-            <p:cNvSpPr/>
-            <p:nvPr/>
-          </p:nvSpPr>
-          <p:spPr>
-            <a:xfrm>
-              <a:off x="5733936" y="2688913"/>
-              <a:ext cx="3064475" cy="502508"/>
-            </a:xfrm>
-            <a:prstGeom prst="roundRect">
-              <a:avLst/>
-            </a:prstGeom>
-            <a:solidFill>
-              <a:schemeClr val="accent2"/>
-            </a:solidFill>
-          </p:spPr>
-          <p:style>
-            <a:lnRef idx="2">
-              <a:schemeClr val="accent1">
-                <a:shade val="50000"/>
-              </a:schemeClr>
-            </a:lnRef>
-            <a:fillRef idx="1">
-              <a:schemeClr val="accent1"/>
-            </a:fillRef>
-            <a:effectRef idx="0">
-              <a:schemeClr val="accent1"/>
-            </a:effectRef>
-            <a:fontRef idx="minor">
-              <a:schemeClr val="lt1"/>
-            </a:fontRef>
-          </p:style>
-          <p:txBody>
-            <a:bodyPr rtlCol="0" anchor="ctr"/>
-            <a:lstStyle/>
-            <a:p>
-              <a:pPr algn="ctr"/>
-              <a:r>
-                <a:rPr lang="en-US" dirty="0" smtClean="0"/>
-                <a:t>forces2Global()</a:t>
-              </a:r>
-              <a:endParaRPr lang="en-US" dirty="0"/>
-            </a:p>
-          </p:txBody>
-        </p:sp>
-        <p:sp>
-          <p:nvSpPr>
-            <p:cNvPr id="16" name="Rounded Rectangle 15"/>
-            <p:cNvSpPr/>
-            <p:nvPr/>
-          </p:nvSpPr>
-          <p:spPr>
-            <a:xfrm>
-              <a:off x="5733937" y="3300365"/>
-              <a:ext cx="3064475" cy="502508"/>
-            </a:xfrm>
-            <a:prstGeom prst="roundRect">
-              <a:avLst/>
-            </a:prstGeom>
-            <a:solidFill>
-              <a:schemeClr val="accent2"/>
-            </a:solidFill>
-          </p:spPr>
-          <p:style>
-            <a:lnRef idx="2">
-              <a:schemeClr val="accent1">
-                <a:shade val="50000"/>
-              </a:schemeClr>
-            </a:lnRef>
-            <a:fillRef idx="1">
-              <a:schemeClr val="accent1"/>
-            </a:fillRef>
-            <a:effectRef idx="0">
-              <a:schemeClr val="accent1"/>
-            </a:effectRef>
-            <a:fontRef idx="minor">
-              <a:schemeClr val="lt1"/>
-            </a:fontRef>
-          </p:style>
-          <p:txBody>
-            <a:bodyPr rtlCol="0" anchor="ctr"/>
-            <a:lstStyle/>
-            <a:p>
-              <a:pPr algn="ctr"/>
-              <a:r>
-                <a:rPr lang="en-US" dirty="0" err="1" smtClean="0"/>
-                <a:t>grfProcessing</a:t>
-              </a:r>
-              <a:r>
-                <a:rPr lang="en-US" dirty="0" smtClean="0"/>
-                <a:t>()</a:t>
-              </a:r>
-              <a:endParaRPr lang="en-US" dirty="0"/>
-            </a:p>
-          </p:txBody>
-        </p:sp>
-        <p:sp>
-          <p:nvSpPr>
-            <p:cNvPr id="17" name="Rounded Rectangle 16"/>
-            <p:cNvSpPr/>
-            <p:nvPr/>
-          </p:nvSpPr>
-          <p:spPr>
-            <a:xfrm>
-              <a:off x="5733937" y="3901397"/>
-              <a:ext cx="3064475" cy="502508"/>
-            </a:xfrm>
-            <a:prstGeom prst="roundRect">
-              <a:avLst/>
-            </a:prstGeom>
-            <a:solidFill>
-              <a:schemeClr val="accent2"/>
-            </a:solidFill>
-          </p:spPr>
-          <p:style>
-            <a:lnRef idx="2">
-              <a:schemeClr val="accent1">
-                <a:shade val="50000"/>
-              </a:schemeClr>
-            </a:lnRef>
-            <a:fillRef idx="1">
-              <a:schemeClr val="accent1"/>
-            </a:fillRef>
-            <a:effectRef idx="0">
-              <a:schemeClr val="accent1"/>
-            </a:effectRef>
-            <a:fontRef idx="minor">
-              <a:schemeClr val="lt1"/>
-            </a:fontRef>
-          </p:style>
-          <p:txBody>
-            <a:bodyPr rtlCol="0" anchor="ctr"/>
-            <a:lstStyle/>
-            <a:p>
-              <a:pPr algn="ctr"/>
-              <a:r>
-                <a:rPr lang="en-US" dirty="0" err="1" smtClean="0"/>
-                <a:t>copCalc</a:t>
-              </a:r>
-              <a:r>
-                <a:rPr lang="en-US" dirty="0" smtClean="0"/>
-                <a:t>()</a:t>
-              </a:r>
-              <a:endParaRPr lang="en-US" dirty="0"/>
-            </a:p>
-          </p:txBody>
-        </p:sp>
-        <p:sp>
-          <p:nvSpPr>
-            <p:cNvPr id="18" name="Rounded Rectangle 17"/>
-            <p:cNvSpPr/>
-            <p:nvPr/>
-          </p:nvSpPr>
-          <p:spPr>
-            <a:xfrm>
-              <a:off x="5733938" y="5103596"/>
-              <a:ext cx="3064475" cy="502508"/>
-            </a:xfrm>
-            <a:prstGeom prst="roundRect">
-              <a:avLst/>
-            </a:prstGeom>
-            <a:solidFill>
-              <a:schemeClr val="accent2"/>
-            </a:solidFill>
-          </p:spPr>
-          <p:style>
-            <a:lnRef idx="2">
-              <a:schemeClr val="accent1">
-                <a:shade val="50000"/>
-              </a:schemeClr>
-            </a:lnRef>
-            <a:fillRef idx="1">
-              <a:schemeClr val="accent1"/>
-            </a:fillRef>
-            <a:effectRef idx="0">
-              <a:schemeClr val="accent1"/>
-            </a:effectRef>
-            <a:fontRef idx="minor">
-              <a:schemeClr val="lt1"/>
-            </a:fontRef>
-          </p:style>
-          <p:txBody>
-            <a:bodyPr rtlCol="0" anchor="ctr"/>
-            <a:lstStyle/>
-            <a:p>
-              <a:pPr algn="ctr"/>
-              <a:r>
-                <a:rPr lang="en-US" dirty="0" smtClean="0"/>
-                <a:t>connectForces2Bodies()</a:t>
-              </a:r>
-              <a:endParaRPr lang="en-US" dirty="0"/>
-            </a:p>
-          </p:txBody>
-        </p:sp>
-        <p:sp>
-          <p:nvSpPr>
-            <p:cNvPr id="19" name="Rounded Rectangle 18"/>
-            <p:cNvSpPr/>
-            <p:nvPr/>
-          </p:nvSpPr>
-          <p:spPr>
-            <a:xfrm>
-              <a:off x="5733938" y="5675579"/>
-              <a:ext cx="3064475" cy="456825"/>
-            </a:xfrm>
-            <a:prstGeom prst="roundRect">
-              <a:avLst/>
-            </a:prstGeom>
-            <a:solidFill>
-              <a:schemeClr val="accent2"/>
-            </a:solidFill>
-          </p:spPr>
-          <p:style>
-            <a:lnRef idx="2">
-              <a:schemeClr val="accent1">
-                <a:shade val="50000"/>
-              </a:schemeClr>
-            </a:lnRef>
-            <a:fillRef idx="1">
-              <a:schemeClr val="accent1"/>
-            </a:fillRef>
-            <a:effectRef idx="0">
-              <a:schemeClr val="accent1"/>
-            </a:effectRef>
-            <a:fontRef idx="minor">
-              <a:schemeClr val="lt1"/>
-            </a:fontRef>
-          </p:style>
-          <p:txBody>
-            <a:bodyPr rtlCol="0" anchor="ctr"/>
-            <a:lstStyle/>
-            <a:p>
-              <a:pPr algn="ctr"/>
-              <a:r>
-                <a:rPr lang="en-US" dirty="0" err="1" smtClean="0"/>
-                <a:t>printMot</a:t>
-              </a:r>
-              <a:r>
-                <a:rPr lang="en-US" dirty="0" smtClean="0"/>
-                <a:t>()</a:t>
-              </a:r>
-              <a:endParaRPr lang="en-US" dirty="0"/>
-            </a:p>
-          </p:txBody>
-        </p:sp>
-        <p:sp>
-          <p:nvSpPr>
-            <p:cNvPr id="21" name="Rounded Rectangle 20"/>
-            <p:cNvSpPr/>
-            <p:nvPr/>
-          </p:nvSpPr>
-          <p:spPr>
-            <a:xfrm>
-              <a:off x="5733938" y="4511444"/>
-              <a:ext cx="3064475" cy="502508"/>
-            </a:xfrm>
-            <a:prstGeom prst="roundRect">
-              <a:avLst/>
-            </a:prstGeom>
-            <a:solidFill>
-              <a:schemeClr val="accent6">
-                <a:lumMod val="75000"/>
-              </a:schemeClr>
-            </a:solidFill>
-          </p:spPr>
-          <p:style>
-            <a:lnRef idx="2">
-              <a:schemeClr val="accent1">
-                <a:shade val="50000"/>
-              </a:schemeClr>
-            </a:lnRef>
-            <a:fillRef idx="1">
-              <a:schemeClr val="accent1"/>
-            </a:fillRef>
-            <a:effectRef idx="0">
-              <a:schemeClr val="accent1"/>
-            </a:effectRef>
-            <a:fontRef idx="minor">
-              <a:schemeClr val="lt1"/>
-            </a:fontRef>
-          </p:style>
-          <p:txBody>
-            <a:bodyPr rtlCol="0" anchor="ctr"/>
-            <a:lstStyle/>
-            <a:p>
-              <a:pPr algn="ctr"/>
-              <a:r>
-                <a:rPr lang="en-US" dirty="0" err="1" smtClean="0"/>
-                <a:t>rotateCoordinateSys</a:t>
-              </a:r>
-              <a:r>
-                <a:rPr lang="en-US" dirty="0" smtClean="0"/>
-                <a:t>()</a:t>
-              </a:r>
-              <a:endParaRPr lang="en-US" dirty="0"/>
-            </a:p>
-          </p:txBody>
-        </p:sp>
-        <p:grpSp>
-          <p:nvGrpSpPr>
-            <p:cNvPr id="30" name="Group 29"/>
-            <p:cNvGrpSpPr/>
-            <p:nvPr/>
-          </p:nvGrpSpPr>
-          <p:grpSpPr>
-            <a:xfrm>
-              <a:off x="5355771" y="6495296"/>
-              <a:ext cx="1098621" cy="369332"/>
-              <a:chOff x="10174550" y="4040889"/>
-              <a:chExt cx="1098621" cy="369332"/>
-            </a:xfrm>
-          </p:grpSpPr>
-          <p:sp>
-            <p:nvSpPr>
-              <p:cNvPr id="23" name="Rounded Rectangle 22"/>
-              <p:cNvSpPr/>
-              <p:nvPr/>
-            </p:nvSpPr>
-            <p:spPr>
-              <a:xfrm flipH="1">
-                <a:off x="10174550" y="4087497"/>
-                <a:ext cx="343626" cy="276116"/>
-              </a:xfrm>
-              <a:prstGeom prst="roundRect">
-                <a:avLst/>
-              </a:prstGeom>
-              <a:solidFill>
-                <a:schemeClr val="accent2"/>
-              </a:solidFill>
-            </p:spPr>
-            <p:style>
-              <a:lnRef idx="2">
-                <a:schemeClr val="accent1">
-                  <a:shade val="50000"/>
-                </a:schemeClr>
-              </a:lnRef>
-              <a:fillRef idx="1">
-                <a:schemeClr val="accent1"/>
-              </a:fillRef>
-              <a:effectRef idx="0">
-                <a:schemeClr val="accent1"/>
-              </a:effectRef>
-              <a:fontRef idx="minor">
-                <a:schemeClr val="lt1"/>
-              </a:fontRef>
-            </p:style>
-            <p:txBody>
-              <a:bodyPr rtlCol="0" anchor="ctr"/>
-              <a:lstStyle/>
-              <a:p>
-                <a:pPr algn="ctr"/>
-                <a:endParaRPr lang="en-US" dirty="0"/>
-              </a:p>
-            </p:txBody>
-          </p:sp>
-          <p:sp>
-            <p:nvSpPr>
-              <p:cNvPr id="26" name="TextBox 25"/>
-              <p:cNvSpPr txBox="1"/>
-              <p:nvPr/>
-            </p:nvSpPr>
-            <p:spPr>
-              <a:xfrm>
-                <a:off x="10484301" y="4040889"/>
-                <a:ext cx="788870" cy="369332"/>
-              </a:xfrm>
-              <a:prstGeom prst="rect">
-                <a:avLst/>
-              </a:prstGeom>
-              <a:noFill/>
-            </p:spPr>
-            <p:txBody>
-              <a:bodyPr wrap="none" rtlCol="0">
-                <a:spAutoFit/>
-              </a:bodyPr>
-              <a:lstStyle/>
-              <a:p>
-                <a:r>
-                  <a:rPr lang="en-US" dirty="0" smtClean="0"/>
-                  <a:t>Forces</a:t>
-                </a:r>
-                <a:endParaRPr lang="en-US" dirty="0"/>
-              </a:p>
-            </p:txBody>
-          </p:sp>
-        </p:grpSp>
-        <p:grpSp>
-          <p:nvGrpSpPr>
-            <p:cNvPr id="29" name="Group 28"/>
-            <p:cNvGrpSpPr/>
-            <p:nvPr/>
-          </p:nvGrpSpPr>
-          <p:grpSpPr>
-            <a:xfrm>
-              <a:off x="6454392" y="6501371"/>
-              <a:ext cx="905337" cy="369332"/>
-              <a:chOff x="10174550" y="4405082"/>
-              <a:chExt cx="905337" cy="369332"/>
-            </a:xfrm>
-          </p:grpSpPr>
-          <p:sp>
-            <p:nvSpPr>
-              <p:cNvPr id="24" name="Rounded Rectangle 23"/>
-              <p:cNvSpPr/>
-              <p:nvPr/>
-            </p:nvSpPr>
-            <p:spPr>
-              <a:xfrm flipH="1">
-                <a:off x="10174550" y="4447070"/>
-                <a:ext cx="343626" cy="276116"/>
-              </a:xfrm>
-              <a:prstGeom prst="roundRect">
-                <a:avLst/>
-              </a:prstGeom>
-              <a:solidFill>
-                <a:schemeClr val="accent6">
-                  <a:lumMod val="75000"/>
-                </a:schemeClr>
-              </a:solidFill>
-            </p:spPr>
-            <p:style>
-              <a:lnRef idx="2">
-                <a:schemeClr val="accent1">
-                  <a:shade val="50000"/>
-                </a:schemeClr>
-              </a:lnRef>
-              <a:fillRef idx="1">
-                <a:schemeClr val="accent1"/>
-              </a:fillRef>
-              <a:effectRef idx="0">
-                <a:schemeClr val="accent1"/>
-              </a:effectRef>
-              <a:fontRef idx="minor">
-                <a:schemeClr val="lt1"/>
-              </a:fontRef>
-            </p:style>
-            <p:txBody>
-              <a:bodyPr rtlCol="0" anchor="ctr"/>
-              <a:lstStyle/>
-              <a:p>
-                <a:pPr algn="ctr"/>
-                <a:endParaRPr lang="en-US" dirty="0"/>
-              </a:p>
-            </p:txBody>
-          </p:sp>
-          <p:sp>
-            <p:nvSpPr>
-              <p:cNvPr id="27" name="TextBox 26"/>
-              <p:cNvSpPr txBox="1"/>
-              <p:nvPr/>
-            </p:nvSpPr>
-            <p:spPr>
-              <a:xfrm>
-                <a:off x="10449586" y="4405082"/>
-                <a:ext cx="630301" cy="369332"/>
-              </a:xfrm>
-              <a:prstGeom prst="rect">
-                <a:avLst/>
-              </a:prstGeom>
-              <a:noFill/>
-            </p:spPr>
-            <p:txBody>
-              <a:bodyPr wrap="none" rtlCol="0">
-                <a:spAutoFit/>
-              </a:bodyPr>
-              <a:lstStyle/>
-              <a:p>
-                <a:r>
-                  <a:rPr lang="en-US" dirty="0" smtClean="0"/>
-                  <a:t>Both</a:t>
-                </a:r>
-                <a:endParaRPr lang="en-US" dirty="0"/>
-              </a:p>
-            </p:txBody>
-          </p:sp>
-        </p:grpSp>
-        <p:grpSp>
-          <p:nvGrpSpPr>
-            <p:cNvPr id="31" name="Group 30"/>
-            <p:cNvGrpSpPr/>
-            <p:nvPr/>
-          </p:nvGrpSpPr>
-          <p:grpSpPr>
-            <a:xfrm>
-              <a:off x="4116731" y="6495296"/>
-              <a:ext cx="1230612" cy="369332"/>
-              <a:chOff x="10174550" y="4772872"/>
-              <a:chExt cx="1230612" cy="369332"/>
-            </a:xfrm>
-          </p:grpSpPr>
-          <p:sp>
-            <p:nvSpPr>
-              <p:cNvPr id="25" name="Rounded Rectangle 24"/>
-              <p:cNvSpPr/>
-              <p:nvPr/>
-            </p:nvSpPr>
-            <p:spPr>
-              <a:xfrm flipH="1">
-                <a:off x="10174550" y="4806643"/>
-                <a:ext cx="343626" cy="276116"/>
-              </a:xfrm>
-              <a:prstGeom prst="roundRect">
-                <a:avLst/>
-              </a:prstGeom>
-              <a:solidFill>
-                <a:schemeClr val="accent1"/>
-              </a:solidFill>
-            </p:spPr>
-            <p:style>
-              <a:lnRef idx="2">
-                <a:schemeClr val="accent1">
-                  <a:shade val="50000"/>
-                </a:schemeClr>
-              </a:lnRef>
-              <a:fillRef idx="1">
-                <a:schemeClr val="accent1"/>
-              </a:fillRef>
-              <a:effectRef idx="0">
-                <a:schemeClr val="accent1"/>
-              </a:effectRef>
-              <a:fontRef idx="minor">
-                <a:schemeClr val="lt1"/>
-              </a:fontRef>
-            </p:style>
-            <p:txBody>
-              <a:bodyPr rtlCol="0" anchor="ctr"/>
-              <a:lstStyle/>
-              <a:p>
-                <a:pPr algn="ctr"/>
-                <a:endParaRPr lang="en-US" dirty="0"/>
-              </a:p>
-            </p:txBody>
-          </p:sp>
-          <p:sp>
-            <p:nvSpPr>
-              <p:cNvPr id="28" name="TextBox 27"/>
-              <p:cNvSpPr txBox="1"/>
-              <p:nvPr/>
-            </p:nvSpPr>
-            <p:spPr>
-              <a:xfrm>
-                <a:off x="10454453" y="4772872"/>
-                <a:ext cx="950709" cy="369332"/>
-              </a:xfrm>
-              <a:prstGeom prst="rect">
-                <a:avLst/>
-              </a:prstGeom>
-              <a:noFill/>
-            </p:spPr>
-            <p:txBody>
-              <a:bodyPr wrap="none" rtlCol="0">
-                <a:spAutoFit/>
-              </a:bodyPr>
-              <a:lstStyle/>
-              <a:p>
-                <a:r>
-                  <a:rPr lang="en-US" dirty="0" smtClean="0"/>
-                  <a:t>Markers</a:t>
-                </a:r>
-                <a:endParaRPr lang="en-US" dirty="0"/>
-              </a:p>
-            </p:txBody>
-          </p:sp>
-        </p:grpSp>
-        <p:sp>
-          <p:nvSpPr>
-            <p:cNvPr id="34" name="TextBox 33"/>
+            <p:cNvPr id="28" name="TextBox 27"/>
             <p:cNvSpPr txBox="1"/>
             <p:nvPr/>
           </p:nvSpPr>
           <p:spPr>
             <a:xfrm>
-              <a:off x="2551559" y="316382"/>
-              <a:ext cx="2212080" cy="369332"/>
+              <a:off x="10454453" y="4772872"/>
+              <a:ext cx="950709" cy="369332"/>
             </a:xfrm>
             <a:prstGeom prst="rect">
               <a:avLst/>
@@ -4715,45 +4562,7 @@
             <a:p>
               <a:r>
                 <a:rPr lang="en-US" dirty="0" smtClean="0"/>
-                <a:t>Conceptual Workflow</a:t>
-              </a:r>
-              <a:endParaRPr lang="en-US" dirty="0"/>
-            </a:p>
-          </p:txBody>
-        </p:sp>
-        <p:sp>
-          <p:nvSpPr>
-            <p:cNvPr id="35" name="TextBox 34"/>
-            <p:cNvSpPr txBox="1"/>
-            <p:nvPr/>
-          </p:nvSpPr>
-          <p:spPr>
-            <a:xfrm>
-              <a:off x="6211038" y="188922"/>
-              <a:ext cx="2179571" cy="646331"/>
-            </a:xfrm>
-            <a:prstGeom prst="rect">
-              <a:avLst/>
-            </a:prstGeom>
-            <a:noFill/>
-          </p:spPr>
-          <p:txBody>
-            <a:bodyPr wrap="none" rtlCol="0">
-              <a:spAutoFit/>
-            </a:bodyPr>
-            <a:lstStyle/>
-            <a:p>
-              <a:pPr algn="ctr"/>
-              <a:r>
-                <a:rPr lang="en-US" dirty="0" smtClean="0"/>
-                <a:t>Functions used for </a:t>
-              </a:r>
-            </a:p>
-            <a:p>
-              <a:pPr algn="ctr"/>
-              <a:r>
-                <a:rPr lang="en-US" dirty="0" smtClean="0"/>
-                <a:t>Conceptual workflow</a:t>
+                <a:t>Markers</a:t>
               </a:r>
               <a:endParaRPr lang="en-US" dirty="0"/>
             </a:p>
@@ -4762,6 +4571,85 @@
       </p:grpSp>
       <p:sp>
         <p:nvSpPr>
+          <p:cNvPr id="34" name="TextBox 33"/>
+          <p:cNvSpPr txBox="1"/>
+          <p:nvPr/>
+        </p:nvSpPr>
+        <p:spPr>
+          <a:xfrm>
+            <a:off x="2551559" y="316382"/>
+            <a:ext cx="2212080" cy="369332"/>
+          </a:xfrm>
+          <a:prstGeom prst="rect">
+            <a:avLst/>
+          </a:prstGeom>
+          <a:noFill/>
+        </p:spPr>
+        <p:txBody>
+          <a:bodyPr wrap="none" rtlCol="0">
+            <a:spAutoFit/>
+          </a:bodyPr>
+          <a:lstStyle/>
+          <a:p>
+            <a:r>
+              <a:rPr lang="en-US" dirty="0" smtClean="0"/>
+              <a:t>Conceptual Workflow</a:t>
+            </a:r>
+            <a:endParaRPr lang="en-US" dirty="0"/>
+          </a:p>
+        </p:txBody>
+      </p:sp>
+      <p:sp>
+        <p:nvSpPr>
+          <p:cNvPr id="35" name="TextBox 34"/>
+          <p:cNvSpPr txBox="1"/>
+          <p:nvPr/>
+        </p:nvSpPr>
+        <p:spPr>
+          <a:xfrm>
+            <a:off x="6211038" y="188922"/>
+            <a:ext cx="2179571" cy="923330"/>
+          </a:xfrm>
+          <a:prstGeom prst="rect">
+            <a:avLst/>
+          </a:prstGeom>
+          <a:noFill/>
+        </p:spPr>
+        <p:txBody>
+          <a:bodyPr wrap="none" rtlCol="0">
+            <a:spAutoFit/>
+          </a:bodyPr>
+          <a:lstStyle/>
+          <a:p>
+            <a:pPr algn="ctr"/>
+            <a:r>
+              <a:rPr lang="en-US" dirty="0" smtClean="0"/>
+              <a:t>Functions used for </a:t>
+            </a:r>
+          </a:p>
+          <a:p>
+            <a:pPr algn="ctr"/>
+            <a:r>
+              <a:rPr lang="en-US" dirty="0" smtClean="0"/>
+              <a:t>Conceptual </a:t>
+            </a:r>
+            <a:r>
+              <a:rPr lang="en-US" dirty="0" smtClean="0"/>
+              <a:t>workflow</a:t>
+            </a:r>
+          </a:p>
+          <a:p>
+            <a:pPr algn="ctr"/>
+            <a:r>
+              <a:rPr lang="en-US" dirty="0" err="1" smtClean="0"/>
+              <a:t>matlab</a:t>
+            </a:r>
+            <a:endParaRPr lang="en-US" dirty="0"/>
+          </a:p>
+        </p:txBody>
+      </p:sp>
+      <p:sp>
+        <p:nvSpPr>
           <p:cNvPr id="43" name="Hexagon 42"/>
           <p:cNvSpPr/>
           <p:nvPr/>
@@ -4775,7 +4663,7 @@
             <a:avLst/>
           </a:prstGeom>
           <a:solidFill>
-            <a:schemeClr val="accent6"/>
+            <a:schemeClr val="tx2"/>
           </a:solidFill>
         </p:spPr>
         <p:style>
@@ -4906,6 +4794,9 @@
           <a:prstGeom prst="ellipse">
             <a:avLst/>
           </a:prstGeom>
+          <a:solidFill>
+            <a:schemeClr val="tx2"/>
+          </a:solidFill>
         </p:spPr>
         <p:style>
           <a:lnRef idx="2">
@@ -5035,6 +4926,9 @@
           <a:prstGeom prst="ellipse">
             <a:avLst/>
           </a:prstGeom>
+          <a:solidFill>
+            <a:schemeClr val="tx2"/>
+          </a:solidFill>
         </p:spPr>
         <p:style>
           <a:lnRef idx="2">
@@ -5073,8 +4967,8 @@
         </p:nvCxnSpPr>
         <p:spPr>
           <a:xfrm flipH="1">
-            <a:off x="9176572" y="1021080"/>
-            <a:ext cx="14927" cy="4431983"/>
+            <a:off x="9242248" y="1363263"/>
+            <a:ext cx="34" cy="2230627"/>
           </a:xfrm>
           <a:prstGeom prst="line">
             <a:avLst/>
@@ -5221,6 +5115,206 @@
           </a:fontRef>
         </p:style>
       </p:cxnSp>
+      <p:sp>
+        <p:nvSpPr>
+          <p:cNvPr id="48" name="Rounded Rectangle 47"/>
+          <p:cNvSpPr/>
+          <p:nvPr/>
+        </p:nvSpPr>
+        <p:spPr>
+          <a:xfrm>
+            <a:off x="2160127" y="1238574"/>
+            <a:ext cx="3057637" cy="252913"/>
+          </a:xfrm>
+          <a:prstGeom prst="roundRect">
+            <a:avLst/>
+          </a:prstGeom>
+          <a:solidFill>
+            <a:schemeClr val="accent1"/>
+          </a:solidFill>
+        </p:spPr>
+        <p:style>
+          <a:lnRef idx="2">
+            <a:schemeClr val="accent1">
+              <a:shade val="50000"/>
+            </a:schemeClr>
+          </a:lnRef>
+          <a:fillRef idx="1">
+            <a:schemeClr val="accent1"/>
+          </a:fillRef>
+          <a:effectRef idx="0">
+            <a:schemeClr val="accent1"/>
+          </a:effectRef>
+          <a:fontRef idx="minor">
+            <a:schemeClr val="lt1"/>
+          </a:fontRef>
+        </p:style>
+        <p:txBody>
+          <a:bodyPr rtlCol="0" anchor="ctr"/>
+          <a:lstStyle/>
+          <a:p>
+            <a:pPr algn="ctr"/>
+            <a:r>
+              <a:rPr lang="en-US" dirty="0" smtClean="0"/>
+              <a:t>Keep specified markers</a:t>
+            </a:r>
+            <a:endParaRPr lang="en-US" dirty="0"/>
+          </a:p>
+        </p:txBody>
+      </p:sp>
+      <p:sp>
+        <p:nvSpPr>
+          <p:cNvPr id="49" name="Rounded Rectangle 48"/>
+          <p:cNvSpPr/>
+          <p:nvPr/>
+        </p:nvSpPr>
+        <p:spPr>
+          <a:xfrm>
+            <a:off x="2169817" y="1685733"/>
+            <a:ext cx="3057637" cy="252913"/>
+          </a:xfrm>
+          <a:prstGeom prst="roundRect">
+            <a:avLst/>
+          </a:prstGeom>
+          <a:solidFill>
+            <a:schemeClr val="accent1"/>
+          </a:solidFill>
+        </p:spPr>
+        <p:style>
+          <a:lnRef idx="2">
+            <a:schemeClr val="accent1">
+              <a:shade val="50000"/>
+            </a:schemeClr>
+          </a:lnRef>
+          <a:fillRef idx="1">
+            <a:schemeClr val="accent1"/>
+          </a:fillRef>
+          <a:effectRef idx="0">
+            <a:schemeClr val="accent1"/>
+          </a:effectRef>
+          <a:fontRef idx="minor">
+            <a:schemeClr val="lt1"/>
+          </a:fontRef>
+        </p:style>
+        <p:txBody>
+          <a:bodyPr rtlCol="0" anchor="ctr"/>
+          <a:lstStyle/>
+          <a:p>
+            <a:pPr algn="ctr"/>
+            <a:r>
+              <a:rPr lang="en-US" dirty="0" smtClean="0"/>
+              <a:t>Replace zero values with </a:t>
+            </a:r>
+            <a:r>
+              <a:rPr lang="en-US" dirty="0" err="1" smtClean="0"/>
+              <a:t>NaNs</a:t>
+            </a:r>
+            <a:endParaRPr lang="en-US" dirty="0"/>
+          </a:p>
+        </p:txBody>
+      </p:sp>
+      <p:sp>
+        <p:nvSpPr>
+          <p:cNvPr id="50" name="Rounded Rectangle 49"/>
+          <p:cNvSpPr/>
+          <p:nvPr/>
+        </p:nvSpPr>
+        <p:spPr>
+          <a:xfrm>
+            <a:off x="5750723" y="1685733"/>
+            <a:ext cx="3057637" cy="252913"/>
+          </a:xfrm>
+          <a:prstGeom prst="roundRect">
+            <a:avLst/>
+          </a:prstGeom>
+          <a:solidFill>
+            <a:schemeClr val="accent1"/>
+          </a:solidFill>
+        </p:spPr>
+        <p:style>
+          <a:lnRef idx="2">
+            <a:schemeClr val="accent1">
+              <a:shade val="50000"/>
+            </a:schemeClr>
+          </a:lnRef>
+          <a:fillRef idx="1">
+            <a:schemeClr val="accent1"/>
+          </a:fillRef>
+          <a:effectRef idx="0">
+            <a:schemeClr val="accent1"/>
+          </a:effectRef>
+          <a:fontRef idx="minor">
+            <a:schemeClr val="lt1"/>
+          </a:fontRef>
+        </p:style>
+        <p:txBody>
+          <a:bodyPr rtlCol="0" anchor="ctr"/>
+          <a:lstStyle/>
+          <a:p>
+            <a:pPr algn="ctr"/>
+            <a:r>
+              <a:rPr lang="en-US" dirty="0" err="1" smtClean="0"/>
+              <a:t>replaceZerosWNaNs</a:t>
+            </a:r>
+            <a:r>
+              <a:rPr lang="en-US" dirty="0" smtClean="0"/>
+              <a:t>()</a:t>
+            </a:r>
+            <a:endParaRPr lang="en-US" dirty="0"/>
+          </a:p>
+        </p:txBody>
+      </p:sp>
+      <p:sp>
+        <p:nvSpPr>
+          <p:cNvPr id="51" name="Rounded Rectangle 50"/>
+          <p:cNvSpPr/>
+          <p:nvPr/>
+        </p:nvSpPr>
+        <p:spPr>
+          <a:xfrm>
+            <a:off x="5750724" y="2106403"/>
+            <a:ext cx="3057637" cy="252913"/>
+          </a:xfrm>
+          <a:prstGeom prst="roundRect">
+            <a:avLst/>
+          </a:prstGeom>
+          <a:solidFill>
+            <a:schemeClr val="accent1"/>
+          </a:solidFill>
+        </p:spPr>
+        <p:style>
+          <a:lnRef idx="2">
+            <a:schemeClr val="accent1">
+              <a:shade val="50000"/>
+            </a:schemeClr>
+          </a:lnRef>
+          <a:fillRef idx="1">
+            <a:schemeClr val="accent1"/>
+          </a:fillRef>
+          <a:effectRef idx="0">
+            <a:schemeClr val="accent1"/>
+          </a:effectRef>
+          <a:fontRef idx="minor">
+            <a:schemeClr val="lt1"/>
+          </a:fontRef>
+        </p:style>
+        <p:txBody>
+          <a:bodyPr rtlCol="0" anchor="ctr"/>
+          <a:lstStyle/>
+          <a:p>
+            <a:pPr algn="ctr"/>
+            <a:r>
+              <a:rPr lang="en-US" dirty="0" err="1" smtClean="0"/>
+              <a:t>filterDataSet</a:t>
+            </a:r>
+            <a:r>
+              <a:rPr lang="en-US" dirty="0" smtClean="0"/>
+              <a:t>()</a:t>
+            </a:r>
+            <a:endParaRPr lang="en-US" dirty="0"/>
+          </a:p>
+        </p:txBody>
+      </p:sp>
     </p:spTree>
     <p:extLst>
       <p:ext uri="{BB962C8B-B14F-4D97-AF65-F5344CB8AC3E}">
@@ -5505,7 +5599,7 @@
         </p:nvSpPr>
         <p:spPr>
           <a:xfrm>
-            <a:off x="1812891" y="2035589"/>
+            <a:off x="2488751" y="1948125"/>
             <a:ext cx="6158801" cy="2416628"/>
           </a:xfrm>
           <a:prstGeom prst="roundRect">
